--- a/presentation_icons.pptx
+++ b/presentation_icons.pptx
@@ -7,7 +7,9 @@
   <p:sldIdLst>
     <p:sldId id="259" r:id="rId2"/>
     <p:sldId id="256" r:id="rId3"/>
-    <p:sldId id="258" r:id="rId4"/>
+    <p:sldId id="260" r:id="rId4"/>
+    <p:sldId id="258" r:id="rId5"/>
+    <p:sldId id="261" r:id="rId6"/>
   </p:sldIdLst>
   <p:sldSz cx="9144000" cy="6858000" type="screen4x3"/>
   <p:notesSz cx="6858000" cy="9144000"/>
@@ -765,6 +767,144 @@
 </p:sldLayout>
 </file>
 
+<file path=ppt/slideLayouts/slideLayout12.xml><?xml version="1.0" encoding="utf-8"?>
+<p:sldLayout xmlns:a="http://schemas.openxmlformats.org/drawingml/2006/main" xmlns:r="http://schemas.openxmlformats.org/officeDocument/2006/relationships" xmlns:p="http://schemas.openxmlformats.org/presentationml/2006/main" preserve="1">
+  <p:cSld name="ユーザー設定レイアウト">
+    <p:bg>
+      <p:bgPr>
+        <a:blipFill rotWithShape="1">
+          <a:blip r:embed="rId2"/>
+          <a:tile tx="0" ty="0" sx="100000" sy="100000" flip="none" algn="tl"/>
+        </a:blipFill>
+        <a:effectLst/>
+      </p:bgPr>
+    </p:bg>
+    <p:spTree>
+      <p:nvGrpSpPr>
+        <p:cNvPr id="1" name=""/>
+        <p:cNvGrpSpPr/>
+        <p:nvPr/>
+      </p:nvGrpSpPr>
+      <p:grpSpPr>
+        <a:xfrm>
+          <a:off x="0" y="0"/>
+          <a:ext cx="0" cy="0"/>
+          <a:chOff x="0" y="0"/>
+          <a:chExt cx="0" cy="0"/>
+        </a:xfrm>
+      </p:grpSpPr>
+      <p:sp>
+        <p:nvSpPr>
+          <p:cNvPr id="2" name="タイトル 1"/>
+          <p:cNvSpPr>
+            <a:spLocks noGrp="1"/>
+          </p:cNvSpPr>
+          <p:nvPr>
+            <p:ph type="title"/>
+          </p:nvPr>
+        </p:nvSpPr>
+        <p:spPr>
+          <a:xfrm>
+            <a:off x="196946" y="180942"/>
+            <a:ext cx="5562600" cy="391642"/>
+          </a:xfrm>
+        </p:spPr>
+        <p:txBody>
+          <a:bodyPr>
+            <a:noAutofit/>
+          </a:bodyPr>
+          <a:lstStyle>
+            <a:lvl1pPr algn="l">
+              <a:defRPr sz="2400"/>
+            </a:lvl1pPr>
+          </a:lstStyle>
+          <a:p>
+            <a:r>
+              <a:rPr kumimoji="1" lang="ja-JP" altLang="en-US" smtClean="0"/>
+              <a:t>マスター タイトルの書式設定</a:t>
+            </a:r>
+            <a:endParaRPr kumimoji="1" lang="ja-JP" altLang="en-US"/>
+          </a:p>
+        </p:txBody>
+      </p:sp>
+      <p:sp>
+        <p:nvSpPr>
+          <p:cNvPr id="3" name="日付プレースホルダー 2"/>
+          <p:cNvSpPr>
+            <a:spLocks noGrp="1"/>
+          </p:cNvSpPr>
+          <p:nvPr>
+            <p:ph type="dt" sz="half" idx="10"/>
+          </p:nvPr>
+        </p:nvSpPr>
+        <p:spPr/>
+        <p:txBody>
+          <a:bodyPr/>
+          <a:lstStyle/>
+          <a:p>
+            <a:fld id="{D8189CFE-3915-8D48-B6F0-CD040830DDC8}" type="datetimeFigureOut">
+              <a:rPr kumimoji="1" lang="ja-JP" altLang="en-US" smtClean="0"/>
+              <a:t>12/7/15</a:t>
+            </a:fld>
+            <a:endParaRPr kumimoji="1" lang="ja-JP" altLang="en-US"/>
+          </a:p>
+        </p:txBody>
+      </p:sp>
+      <p:sp>
+        <p:nvSpPr>
+          <p:cNvPr id="4" name="フッター プレースホルダー 3"/>
+          <p:cNvSpPr>
+            <a:spLocks noGrp="1"/>
+          </p:cNvSpPr>
+          <p:nvPr>
+            <p:ph type="ftr" sz="quarter" idx="11"/>
+          </p:nvPr>
+        </p:nvSpPr>
+        <p:spPr/>
+        <p:txBody>
+          <a:bodyPr/>
+          <a:lstStyle/>
+          <a:p>
+            <a:endParaRPr kumimoji="1" lang="ja-JP" altLang="en-US"/>
+          </a:p>
+        </p:txBody>
+      </p:sp>
+      <p:sp>
+        <p:nvSpPr>
+          <p:cNvPr id="5" name="スライド番号プレースホルダー 4"/>
+          <p:cNvSpPr>
+            <a:spLocks noGrp="1"/>
+          </p:cNvSpPr>
+          <p:nvPr>
+            <p:ph type="sldNum" sz="quarter" idx="12"/>
+          </p:nvPr>
+        </p:nvSpPr>
+        <p:spPr/>
+        <p:txBody>
+          <a:bodyPr/>
+          <a:lstStyle/>
+          <a:p>
+            <a:fld id="{A3D3BBD8-8FF7-0A4A-B52C-617A0F0D5BFB}" type="slidenum">
+              <a:rPr kumimoji="1" lang="ja-JP" altLang="en-US" smtClean="0"/>
+              <a:t>‹#›</a:t>
+            </a:fld>
+            <a:endParaRPr kumimoji="1" lang="ja-JP" altLang="en-US"/>
+          </a:p>
+        </p:txBody>
+      </p:sp>
+    </p:spTree>
+    <p:extLst>
+      <p:ext uri="{BB962C8B-B14F-4D97-AF65-F5344CB8AC3E}">
+        <p14:creationId xmlns:p14="http://schemas.microsoft.com/office/powerpoint/2010/main" val="2411770811"/>
+      </p:ext>
+    </p:extLst>
+  </p:cSld>
+  <p:clrMapOvr>
+    <a:masterClrMapping/>
+  </p:clrMapOvr>
+</p:sldLayout>
+</file>
+
 <file path=ppt/slideLayouts/slideLayout2.xml><?xml version="1.0" encoding="utf-8"?>
 <p:sldLayout xmlns:a="http://schemas.openxmlformats.org/drawingml/2006/main" xmlns:r="http://schemas.openxmlformats.org/officeDocument/2006/relationships" xmlns:p="http://schemas.openxmlformats.org/presentationml/2006/main" type="obj" preserve="1">
   <p:cSld name="タイトルとコンテンツ">
@@ -3114,6 +3254,7 @@
     <p:sldLayoutId id="2147483657" r:id="rId9"/>
     <p:sldLayoutId id="2147483658" r:id="rId10"/>
     <p:sldLayoutId id="2147483659" r:id="rId11"/>
+    <p:sldLayoutId id="2147483660" r:id="rId12"/>
   </p:sldLayoutIdLst>
   <p:txStyles>
     <p:titleStyle>
@@ -3427,7 +3568,9 @@
         </p:nvSpPr>
         <p:spPr/>
         <p:txBody>
-          <a:bodyPr/>
+          <a:bodyPr>
+            <a:normAutofit fontScale="92500" lnSpcReduction="20000"/>
+          </a:bodyPr>
           <a:lstStyle/>
           <a:p>
             <a:r>
@@ -3435,7 +3578,7 @@
                 <a:latin typeface="Meiryo"/>
                 <a:cs typeface="Meiryo"/>
               </a:rPr>
-              <a:t>日本ネットワークオペレーターズグループ</a:t>
+              <a:t>ライセンス</a:t>
             </a:r>
             <a:endParaRPr kumimoji="1" lang="en-US" altLang="ja-JP" dirty="0" smtClean="0">
               <a:latin typeface="Meiryo"/>
@@ -3443,23 +3586,405 @@
             </a:endParaRPr>
           </a:p>
           <a:p>
+            <a:pPr lvl="1"/>
+            <a:r>
+              <a:rPr kumimoji="1" lang="ja-JP" altLang="en-US" dirty="0" smtClean="0">
+                <a:latin typeface="Meiryo"/>
+                <a:cs typeface="Meiryo"/>
+              </a:rPr>
+              <a:t>素材自体を商品とする利用</a:t>
+            </a:r>
             <a:r>
               <a:rPr lang="ja-JP" altLang="en-US" dirty="0" smtClean="0">
                 <a:latin typeface="Meiryo"/>
                 <a:cs typeface="Meiryo"/>
               </a:rPr>
-              <a:t>年二回ミーティングを開催</a:t>
-            </a:r>
-            <a:endParaRPr kumimoji="1" lang="ja-JP" altLang="en-US" dirty="0">
+              <a:t>は</a:t>
+            </a:r>
+            <a:r>
+              <a:rPr kumimoji="1" lang="ja-JP" altLang="en-US" dirty="0" smtClean="0">
+                <a:latin typeface="Meiryo"/>
+                <a:cs typeface="Meiryo"/>
+              </a:rPr>
+              <a:t>不可</a:t>
+            </a:r>
+            <a:endParaRPr kumimoji="1" lang="en-US" altLang="ja-JP" dirty="0" smtClean="0">
               <a:latin typeface="Meiryo"/>
               <a:cs typeface="Meiryo"/>
             </a:endParaRPr>
           </a:p>
-        </p:txBody>
-      </p:sp>
+          <a:p>
+            <a:pPr lvl="1"/>
+            <a:r>
+              <a:rPr kumimoji="1" lang="ja-JP" altLang="en-US" dirty="0" smtClean="0">
+                <a:latin typeface="Meiryo"/>
+                <a:cs typeface="Meiryo"/>
+              </a:rPr>
+              <a:t>それ以外の素材の利用は商用・私用共に可能</a:t>
+            </a:r>
+            <a:endParaRPr kumimoji="1" lang="en-US" altLang="ja-JP" dirty="0" smtClean="0">
+              <a:latin typeface="Meiryo"/>
+              <a:cs typeface="Meiryo"/>
+            </a:endParaRPr>
+          </a:p>
+          <a:p>
+            <a:pPr lvl="1"/>
+            <a:r>
+              <a:rPr kumimoji="1" lang="ja-JP" altLang="en-US" dirty="0" smtClean="0">
+                <a:latin typeface="Meiryo"/>
+                <a:cs typeface="Meiryo"/>
+              </a:rPr>
+              <a:t>著作権表示不要</a:t>
+            </a:r>
+            <a:endParaRPr kumimoji="1" lang="en-US" altLang="ja-JP" dirty="0" smtClean="0">
+              <a:latin typeface="Meiryo"/>
+              <a:cs typeface="Meiryo"/>
+            </a:endParaRPr>
+          </a:p>
+          <a:p>
+            <a:pPr lvl="1"/>
+            <a:r>
+              <a:rPr lang="ja-JP" altLang="en-US" dirty="0" smtClean="0">
+                <a:latin typeface="Meiryo"/>
+                <a:cs typeface="Meiryo"/>
+              </a:rPr>
+              <a:t>改変・再配布自由</a:t>
+            </a:r>
+            <a:endParaRPr lang="en-US" altLang="ja-JP" dirty="0" smtClean="0">
+              <a:latin typeface="Meiryo"/>
+              <a:cs typeface="Meiryo"/>
+            </a:endParaRPr>
+          </a:p>
+          <a:p>
+            <a:r>
+              <a:rPr lang="ja-JP" altLang="en-US" dirty="0" smtClean="0">
+                <a:latin typeface="Meiryo"/>
+                <a:cs typeface="Meiryo"/>
+              </a:rPr>
+              <a:t>必要な素材</a:t>
+            </a:r>
+            <a:endParaRPr lang="en-US" altLang="ja-JP" dirty="0" smtClean="0">
+              <a:latin typeface="Meiryo"/>
+              <a:cs typeface="Meiryo"/>
+            </a:endParaRPr>
+          </a:p>
+          <a:p>
+            <a:pPr lvl="1"/>
+            <a:r>
+              <a:rPr lang="ja-JP" altLang="en-US" dirty="0" smtClean="0">
+                <a:latin typeface="Meiryo"/>
+                <a:cs typeface="Meiryo"/>
+              </a:rPr>
+              <a:t>メイリオ</a:t>
+            </a:r>
+            <a:r>
+              <a:rPr lang="en-US" altLang="ja-JP" dirty="0" smtClean="0">
+                <a:latin typeface="Meiryo"/>
+                <a:cs typeface="Meiryo"/>
+              </a:rPr>
+              <a:t> (</a:t>
+            </a:r>
+            <a:r>
+              <a:rPr lang="en-US" altLang="ja-JP" dirty="0" err="1" smtClean="0">
+                <a:latin typeface="Meiryo"/>
+                <a:cs typeface="Meiryo"/>
+              </a:rPr>
+              <a:t>Windos</a:t>
+            </a:r>
+            <a:r>
+              <a:rPr lang="ja-JP" altLang="en-US" dirty="0" smtClean="0">
+                <a:latin typeface="Meiryo"/>
+                <a:cs typeface="Meiryo"/>
+              </a:rPr>
+              <a:t>バンドル</a:t>
+            </a:r>
+            <a:r>
+              <a:rPr lang="en-US" altLang="ja-JP" dirty="0" smtClean="0">
+                <a:latin typeface="Meiryo"/>
+                <a:cs typeface="Meiryo"/>
+              </a:rPr>
+              <a:t>)</a:t>
+            </a:r>
+          </a:p>
+          <a:p>
+            <a:pPr lvl="1"/>
+            <a:r>
+              <a:rPr lang="ja-JP" altLang="en-US" dirty="0" smtClean="0">
+                <a:latin typeface="Meiryo"/>
+                <a:cs typeface="Meiryo"/>
+              </a:rPr>
+              <a:t>ヒラギノ角ゴ</a:t>
+            </a:r>
+            <a:r>
+              <a:rPr lang="en-US" altLang="ja-JP" dirty="0" err="1" smtClean="0">
+                <a:latin typeface="Meiryo"/>
+                <a:cs typeface="Meiryo"/>
+              </a:rPr>
+              <a:t>StdN</a:t>
+            </a:r>
+            <a:r>
+              <a:rPr lang="en-US" altLang="ja-JP" dirty="0" smtClean="0">
+                <a:latin typeface="Meiryo"/>
+                <a:cs typeface="Meiryo"/>
+              </a:rPr>
+              <a:t> W8 (Mac OS X</a:t>
+            </a:r>
+            <a:r>
+              <a:rPr lang="ja-JP" altLang="en-US" dirty="0" smtClean="0">
+                <a:latin typeface="Meiryo"/>
+                <a:cs typeface="Meiryo"/>
+              </a:rPr>
+              <a:t>バンドル</a:t>
+            </a:r>
+            <a:r>
+              <a:rPr lang="en-US" altLang="ja-JP" dirty="0" smtClean="0">
+                <a:latin typeface="Meiryo"/>
+                <a:cs typeface="Meiryo"/>
+              </a:rPr>
+              <a:t>)</a:t>
+            </a:r>
+          </a:p>
+          <a:p>
+            <a:r>
+              <a:rPr lang="ja-JP" altLang="en-US" dirty="0" smtClean="0">
+                <a:latin typeface="Meiryo"/>
+                <a:cs typeface="Meiryo"/>
+              </a:rPr>
+              <a:t>制作環境</a:t>
+            </a:r>
+            <a:endParaRPr lang="en-US" altLang="ja-JP" dirty="0" smtClean="0">
+              <a:latin typeface="Meiryo"/>
+              <a:cs typeface="Meiryo"/>
+            </a:endParaRPr>
+          </a:p>
+          <a:p>
+            <a:pPr lvl="1"/>
+            <a:r>
+              <a:rPr lang="en-US" altLang="ja-JP" dirty="0" smtClean="0">
+                <a:latin typeface="Meiryo"/>
+                <a:cs typeface="Meiryo"/>
+              </a:rPr>
+              <a:t>Microsoft </a:t>
+            </a:r>
+            <a:r>
+              <a:rPr lang="en-US" altLang="ja-JP" smtClean="0">
+                <a:latin typeface="Meiryo"/>
+                <a:cs typeface="Meiryo"/>
+              </a:rPr>
+              <a:t>PowerPoint for Mac 2011</a:t>
+            </a:r>
+            <a:endParaRPr lang="en-US" altLang="ja-JP" dirty="0" smtClean="0">
+              <a:latin typeface="Meiryo"/>
+              <a:cs typeface="Meiryo"/>
+            </a:endParaRPr>
+          </a:p>
+          <a:p>
+            <a:pPr lvl="1"/>
+            <a:endParaRPr lang="en-US" altLang="ja-JP" dirty="0" smtClean="0">
+              <a:latin typeface="Meiryo"/>
+              <a:cs typeface="Meiryo"/>
+            </a:endParaRPr>
+          </a:p>
+        </p:txBody>
+      </p:sp>
+      <p:grpSp>
+        <p:nvGrpSpPr>
+          <p:cNvPr id="10" name="図形グループ 9"/>
+          <p:cNvGrpSpPr/>
+          <p:nvPr/>
+        </p:nvGrpSpPr>
+        <p:grpSpPr>
+          <a:xfrm>
+            <a:off x="8059746" y="5911884"/>
+            <a:ext cx="720000" cy="721543"/>
+            <a:chOff x="4384969" y="4974927"/>
+            <a:chExt cx="720000" cy="721543"/>
+          </a:xfrm>
+        </p:grpSpPr>
+        <p:sp>
+          <p:nvSpPr>
+            <p:cNvPr id="6" name="正方形/長方形 5"/>
+            <p:cNvSpPr/>
+            <p:nvPr/>
+          </p:nvSpPr>
+          <p:spPr>
+            <a:xfrm>
+              <a:off x="4384969" y="4974927"/>
+              <a:ext cx="360000" cy="360000"/>
+            </a:xfrm>
+            <a:prstGeom prst="rect">
+              <a:avLst/>
+            </a:prstGeom>
+            <a:solidFill>
+              <a:schemeClr val="bg1"/>
+            </a:solidFill>
+            <a:ln>
+              <a:noFill/>
+            </a:ln>
+          </p:spPr>
+          <p:style>
+            <a:lnRef idx="2">
+              <a:schemeClr val="accent1"/>
+            </a:lnRef>
+            <a:fillRef idx="1">
+              <a:schemeClr val="lt1"/>
+            </a:fillRef>
+            <a:effectRef idx="0">
+              <a:schemeClr val="accent1"/>
+            </a:effectRef>
+            <a:fontRef idx="minor">
+              <a:schemeClr val="dk1"/>
+            </a:fontRef>
+          </p:style>
+          <p:txBody>
+            <a:bodyPr rtlCol="0" anchor="ctr"/>
+            <a:lstStyle/>
+            <a:p>
+              <a:pPr algn="ctr"/>
+              <a:endParaRPr kumimoji="1" lang="ja-JP" altLang="en-US"/>
+            </a:p>
+          </p:txBody>
+        </p:sp>
+        <p:sp>
+          <p:nvSpPr>
+            <p:cNvPr id="7" name="正方形/長方形 6"/>
+            <p:cNvSpPr/>
+            <p:nvPr/>
+          </p:nvSpPr>
+          <p:spPr>
+            <a:xfrm>
+              <a:off x="4744969" y="5336470"/>
+              <a:ext cx="360000" cy="360000"/>
+            </a:xfrm>
+            <a:prstGeom prst="rect">
+              <a:avLst/>
+            </a:prstGeom>
+            <a:solidFill>
+              <a:schemeClr val="bg1"/>
+            </a:solidFill>
+            <a:ln>
+              <a:noFill/>
+            </a:ln>
+          </p:spPr>
+          <p:style>
+            <a:lnRef idx="2">
+              <a:schemeClr val="accent1"/>
+            </a:lnRef>
+            <a:fillRef idx="1">
+              <a:schemeClr val="lt1"/>
+            </a:fillRef>
+            <a:effectRef idx="0">
+              <a:schemeClr val="accent1"/>
+            </a:effectRef>
+            <a:fontRef idx="minor">
+              <a:schemeClr val="dk1"/>
+            </a:fontRef>
+          </p:style>
+          <p:txBody>
+            <a:bodyPr rtlCol="0" anchor="ctr"/>
+            <a:lstStyle/>
+            <a:p>
+              <a:pPr algn="ctr"/>
+              <a:endParaRPr kumimoji="1" lang="ja-JP" altLang="en-US"/>
+            </a:p>
+          </p:txBody>
+        </p:sp>
+        <p:sp>
+          <p:nvSpPr>
+            <p:cNvPr id="8" name="正方形/長方形 7"/>
+            <p:cNvSpPr/>
+            <p:nvPr/>
+          </p:nvSpPr>
+          <p:spPr>
+            <a:xfrm>
+              <a:off x="4744969" y="4974927"/>
+              <a:ext cx="360000" cy="360000"/>
+            </a:xfrm>
+            <a:prstGeom prst="rect">
+              <a:avLst/>
+            </a:prstGeom>
+            <a:solidFill>
+              <a:schemeClr val="bg1">
+                <a:lumMod val="85000"/>
+              </a:schemeClr>
+            </a:solidFill>
+            <a:ln>
+              <a:noFill/>
+            </a:ln>
+          </p:spPr>
+          <p:style>
+            <a:lnRef idx="2">
+              <a:schemeClr val="accent1"/>
+            </a:lnRef>
+            <a:fillRef idx="1">
+              <a:schemeClr val="lt1"/>
+            </a:fillRef>
+            <a:effectRef idx="0">
+              <a:schemeClr val="accent1"/>
+            </a:effectRef>
+            <a:fontRef idx="minor">
+              <a:schemeClr val="dk1"/>
+            </a:fontRef>
+          </p:style>
+          <p:txBody>
+            <a:bodyPr rtlCol="0" anchor="ctr"/>
+            <a:lstStyle/>
+            <a:p>
+              <a:pPr algn="ctr"/>
+              <a:endParaRPr kumimoji="1" lang="ja-JP" altLang="en-US"/>
+            </a:p>
+          </p:txBody>
+        </p:sp>
+        <p:sp>
+          <p:nvSpPr>
+            <p:cNvPr id="9" name="正方形/長方形 8"/>
+            <p:cNvSpPr/>
+            <p:nvPr/>
+          </p:nvSpPr>
+          <p:spPr>
+            <a:xfrm>
+              <a:off x="4384969" y="5336470"/>
+              <a:ext cx="360000" cy="360000"/>
+            </a:xfrm>
+            <a:prstGeom prst="rect">
+              <a:avLst/>
+            </a:prstGeom>
+            <a:solidFill>
+              <a:schemeClr val="bg1">
+                <a:lumMod val="85000"/>
+              </a:schemeClr>
+            </a:solidFill>
+            <a:ln>
+              <a:noFill/>
+            </a:ln>
+          </p:spPr>
+          <p:style>
+            <a:lnRef idx="2">
+              <a:schemeClr val="accent1"/>
+            </a:lnRef>
+            <a:fillRef idx="1">
+              <a:schemeClr val="lt1"/>
+            </a:fillRef>
+            <a:effectRef idx="0">
+              <a:schemeClr val="accent1"/>
+            </a:effectRef>
+            <a:fontRef idx="minor">
+              <a:schemeClr val="dk1"/>
+            </a:fontRef>
+          </p:style>
+          <p:txBody>
+            <a:bodyPr rtlCol="0" anchor="ctr"/>
+            <a:lstStyle/>
+            <a:p>
+              <a:pPr algn="ctr"/>
+              <a:endParaRPr kumimoji="1" lang="ja-JP" altLang="en-US"/>
+            </a:p>
+          </p:txBody>
+        </p:sp>
+      </p:grpSp>
       <p:pic>
         <p:nvPicPr>
-          <p:cNvPr id="4" name="図 3" descr="janog_no-photo.png"/>
+          <p:cNvPr id="11" name="図 10" descr="no-photo.png"/>
           <p:cNvPicPr>
             <a:picLocks noChangeAspect="1"/>
           </p:cNvPicPr>
@@ -3479,8 +4004,8 @@
         </p:blipFill>
         <p:spPr>
           <a:xfrm>
-            <a:off x="6425726" y="94466"/>
-            <a:ext cx="1353889" cy="1425146"/>
+            <a:off x="6860190" y="116416"/>
+            <a:ext cx="1051394" cy="1068917"/>
           </a:xfrm>
           <a:prstGeom prst="rect">
             <a:avLst/>
@@ -3489,7 +4014,7 @@
       </p:pic>
       <p:pic>
         <p:nvPicPr>
-          <p:cNvPr id="5" name="図 4" descr="janog_off-record.png"/>
+          <p:cNvPr id="12" name="図 11" descr="off-record.png"/>
           <p:cNvPicPr>
             <a:picLocks noChangeAspect="1"/>
           </p:cNvPicPr>
@@ -3509,8 +4034,8 @@
         </p:blipFill>
         <p:spPr>
           <a:xfrm>
-            <a:off x="7779615" y="79109"/>
-            <a:ext cx="1364385" cy="1440503"/>
+            <a:off x="7911584" y="116416"/>
+            <a:ext cx="1059759" cy="1079500"/>
           </a:xfrm>
           <a:prstGeom prst="rect">
             <a:avLst/>
@@ -3555,8 +4080,8 @@
         </p:nvSpPr>
         <p:spPr>
           <a:xfrm>
-            <a:off x="1920633" y="871189"/>
-            <a:ext cx="5174166" cy="5174166"/>
+            <a:off x="1384548" y="522504"/>
+            <a:ext cx="6214848" cy="6214848"/>
           </a:xfrm>
           <a:prstGeom prst="ellipse">
             <a:avLst/>
@@ -3599,7 +4124,7 @@
         </p:nvGrpSpPr>
         <p:grpSpPr>
           <a:xfrm>
-            <a:off x="2752968" y="1629929"/>
+            <a:off x="2752968" y="1838149"/>
             <a:ext cx="3548311" cy="2902228"/>
             <a:chOff x="2606261" y="1965746"/>
             <a:chExt cx="3821044" cy="3125301"/>
@@ -3741,7 +4266,7 @@
         </p:nvSpPr>
         <p:spPr>
           <a:xfrm>
-            <a:off x="1606843" y="535612"/>
+            <a:off x="1606843" y="743832"/>
             <a:ext cx="5786779" cy="5786779"/>
           </a:xfrm>
           <a:prstGeom prst="donut">
@@ -3791,7 +4316,7 @@
         </p:nvSpPr>
         <p:spPr>
           <a:xfrm rot="13500000">
-            <a:off x="1873712" y="3237362"/>
+            <a:off x="1873712" y="3445582"/>
             <a:ext cx="5285496" cy="467093"/>
           </a:xfrm>
           <a:prstGeom prst="rect">
@@ -3835,7 +4360,7 @@
         </p:nvSpPr>
         <p:spPr>
           <a:xfrm>
-            <a:off x="2382474" y="4471301"/>
+            <a:off x="2382474" y="4679521"/>
             <a:ext cx="4288353" cy="1323439"/>
           </a:xfrm>
           <a:prstGeom prst="rect">
@@ -3884,7 +4409,7 @@
         </p:nvSpPr>
         <p:spPr>
           <a:xfrm>
-            <a:off x="2382474" y="4471301"/>
+            <a:off x="2382474" y="4679521"/>
             <a:ext cx="4288353" cy="1323439"/>
           </a:xfrm>
           <a:prstGeom prst="rect">
@@ -3929,7 +4454,7 @@
         </p:nvSpPr>
         <p:spPr>
           <a:xfrm>
-            <a:off x="2450691" y="5576910"/>
+            <a:off x="2450691" y="5785130"/>
             <a:ext cx="4041106" cy="830997"/>
           </a:xfrm>
           <a:prstGeom prst="rect">
@@ -3978,7 +4503,7 @@
         </p:nvSpPr>
         <p:spPr>
           <a:xfrm>
-            <a:off x="2450691" y="5576910"/>
+            <a:off x="2450691" y="5785130"/>
             <a:ext cx="4041106" cy="830997"/>
           </a:xfrm>
           <a:prstGeom prst="rect">
@@ -4012,6 +4537,29 @@
               <a:ea typeface="ヒラギノ角ゴ StdN W8"/>
               <a:cs typeface="ヒラギノ角ゴ StdN W8"/>
             </a:endParaRPr>
+          </a:p>
+        </p:txBody>
+      </p:sp>
+      <p:sp>
+        <p:nvSpPr>
+          <p:cNvPr id="2" name="タイトル 1"/>
+          <p:cNvSpPr>
+            <a:spLocks noGrp="1"/>
+          </p:cNvSpPr>
+          <p:nvPr>
+            <p:ph type="title"/>
+          </p:nvPr>
+        </p:nvSpPr>
+        <p:spPr/>
+        <p:txBody>
+          <a:bodyPr/>
+          <a:lstStyle/>
+          <a:p>
+            <a:r>
+              <a:rPr lang="ja-JP" altLang="en-US" dirty="0" smtClean="0"/>
+              <a:t>撮影禁止</a:t>
+            </a:r>
+            <a:endParaRPr kumimoji="1" lang="ja-JP" altLang="en-US" dirty="0"/>
           </a:p>
         </p:txBody>
       </p:sp>
@@ -4025,6 +4573,13 @@
   <p:clrMapOvr>
     <a:masterClrMapping/>
   </p:clrMapOvr>
+  <p:timing>
+    <p:tnLst>
+      <p:par>
+        <p:cTn xmlns:p14="http://schemas.microsoft.com/office/powerpoint/2010/main" id="1" dur="indefinite" restart="never" nodeType="tmRoot"/>
+      </p:par>
+    </p:tnLst>
+  </p:timing>
 </p:sld>
 </file>
 
@@ -4047,14 +4602,14 @@
       </p:grpSpPr>
       <p:sp>
         <p:nvSpPr>
-          <p:cNvPr id="16" name="円/楕円 15"/>
+          <p:cNvPr id="19" name="円/楕円 18"/>
           <p:cNvSpPr/>
           <p:nvPr/>
         </p:nvSpPr>
         <p:spPr>
           <a:xfrm>
-            <a:off x="1920633" y="881685"/>
-            <a:ext cx="5174166" cy="5174166"/>
+            <a:off x="1384548" y="522504"/>
+            <a:ext cx="6214848" cy="6214848"/>
           </a:xfrm>
           <a:prstGeom prst="ellipse">
             <a:avLst/>
@@ -4089,6 +4644,521 @@
           </a:p>
         </p:txBody>
       </p:sp>
+      <p:grpSp>
+        <p:nvGrpSpPr>
+          <p:cNvPr id="10" name="図形グループ 9"/>
+          <p:cNvGrpSpPr/>
+          <p:nvPr/>
+        </p:nvGrpSpPr>
+        <p:grpSpPr>
+          <a:xfrm>
+            <a:off x="2752968" y="1838149"/>
+            <a:ext cx="3548311" cy="2902228"/>
+            <a:chOff x="2606261" y="1965746"/>
+            <a:chExt cx="3821044" cy="3125301"/>
+          </a:xfrm>
+        </p:grpSpPr>
+        <p:sp>
+          <p:nvSpPr>
+            <p:cNvPr id="4" name="台形 3"/>
+            <p:cNvSpPr/>
+            <p:nvPr/>
+          </p:nvSpPr>
+          <p:spPr>
+            <a:xfrm>
+              <a:off x="3373784" y="1965746"/>
+              <a:ext cx="2285999" cy="1424609"/>
+            </a:xfrm>
+            <a:prstGeom prst="trapezoid">
+              <a:avLst/>
+            </a:prstGeom>
+            <a:ln>
+              <a:noFill/>
+            </a:ln>
+          </p:spPr>
+          <p:style>
+            <a:lnRef idx="2">
+              <a:schemeClr val="dk1">
+                <a:shade val="50000"/>
+              </a:schemeClr>
+            </a:lnRef>
+            <a:fillRef idx="1">
+              <a:schemeClr val="dk1"/>
+            </a:fillRef>
+            <a:effectRef idx="0">
+              <a:schemeClr val="dk1"/>
+            </a:effectRef>
+            <a:fontRef idx="minor">
+              <a:schemeClr val="lt1"/>
+            </a:fontRef>
+          </p:style>
+          <p:txBody>
+            <a:bodyPr rtlCol="0" anchor="ctr"/>
+            <a:lstStyle/>
+            <a:p>
+              <a:pPr algn="ctr"/>
+              <a:endParaRPr kumimoji="1" lang="ja-JP" altLang="en-US"/>
+            </a:p>
+          </p:txBody>
+        </p:sp>
+        <p:sp>
+          <p:nvSpPr>
+            <p:cNvPr id="6" name="角丸四角形 5"/>
+            <p:cNvSpPr/>
+            <p:nvPr/>
+          </p:nvSpPr>
+          <p:spPr>
+            <a:xfrm>
+              <a:off x="2606261" y="2749838"/>
+              <a:ext cx="3821044" cy="2341209"/>
+            </a:xfrm>
+            <a:prstGeom prst="roundRect">
+              <a:avLst/>
+            </a:prstGeom>
+            <a:ln>
+              <a:noFill/>
+            </a:ln>
+          </p:spPr>
+          <p:style>
+            <a:lnRef idx="2">
+              <a:schemeClr val="dk1">
+                <a:shade val="50000"/>
+              </a:schemeClr>
+            </a:lnRef>
+            <a:fillRef idx="1">
+              <a:schemeClr val="dk1"/>
+            </a:fillRef>
+            <a:effectRef idx="0">
+              <a:schemeClr val="dk1"/>
+            </a:effectRef>
+            <a:fontRef idx="minor">
+              <a:schemeClr val="lt1"/>
+            </a:fontRef>
+          </p:style>
+          <p:txBody>
+            <a:bodyPr rtlCol="0" anchor="ctr"/>
+            <a:lstStyle/>
+            <a:p>
+              <a:pPr algn="ctr"/>
+              <a:endParaRPr kumimoji="1" lang="ja-JP" altLang="en-US"/>
+            </a:p>
+          </p:txBody>
+        </p:sp>
+        <p:sp>
+          <p:nvSpPr>
+            <p:cNvPr id="7" name="円/楕円 6"/>
+            <p:cNvSpPr/>
+            <p:nvPr/>
+          </p:nvSpPr>
+          <p:spPr>
+            <a:xfrm>
+              <a:off x="3798957" y="3346182"/>
+              <a:ext cx="1435653" cy="1435653"/>
+            </a:xfrm>
+            <a:prstGeom prst="ellipse">
+              <a:avLst/>
+            </a:prstGeom>
+            <a:ln>
+              <a:noFill/>
+            </a:ln>
+          </p:spPr>
+          <p:style>
+            <a:lnRef idx="2">
+              <a:schemeClr val="dk1"/>
+            </a:lnRef>
+            <a:fillRef idx="1">
+              <a:schemeClr val="lt1"/>
+            </a:fillRef>
+            <a:effectRef idx="0">
+              <a:schemeClr val="dk1"/>
+            </a:effectRef>
+            <a:fontRef idx="minor">
+              <a:schemeClr val="dk1"/>
+            </a:fontRef>
+          </p:style>
+          <p:txBody>
+            <a:bodyPr rtlCol="0" anchor="ctr"/>
+            <a:lstStyle/>
+            <a:p>
+              <a:pPr algn="ctr"/>
+              <a:endParaRPr kumimoji="1" lang="ja-JP" altLang="en-US"/>
+            </a:p>
+          </p:txBody>
+        </p:sp>
+      </p:grpSp>
+      <p:sp>
+        <p:nvSpPr>
+          <p:cNvPr id="8" name="ドーナツ 7"/>
+          <p:cNvSpPr/>
+          <p:nvPr/>
+        </p:nvSpPr>
+        <p:spPr>
+          <a:xfrm>
+            <a:off x="1606843" y="743832"/>
+            <a:ext cx="5786779" cy="5786779"/>
+          </a:xfrm>
+          <a:prstGeom prst="donut">
+            <a:avLst>
+              <a:gd name="adj" fmla="val 8850"/>
+            </a:avLst>
+          </a:prstGeom>
+          <a:solidFill>
+            <a:srgbClr val="64DD19"/>
+          </a:solidFill>
+          <a:ln>
+            <a:noFill/>
+          </a:ln>
+        </p:spPr>
+        <p:style>
+          <a:lnRef idx="2">
+            <a:schemeClr val="accent2"/>
+          </a:lnRef>
+          <a:fillRef idx="1">
+            <a:schemeClr val="lt1"/>
+          </a:fillRef>
+          <a:effectRef idx="0">
+            <a:schemeClr val="accent2"/>
+          </a:effectRef>
+          <a:fontRef idx="minor">
+            <a:schemeClr val="dk1"/>
+          </a:fontRef>
+        </p:style>
+        <p:txBody>
+          <a:bodyPr rtlCol="0" anchor="ctr"/>
+          <a:lstStyle/>
+          <a:p>
+            <a:pPr algn="ctr"/>
+            <a:endParaRPr kumimoji="1" lang="ja-JP" altLang="en-US">
+              <a:solidFill>
+                <a:srgbClr val="FF0000"/>
+              </a:solidFill>
+            </a:endParaRPr>
+          </a:p>
+        </p:txBody>
+      </p:sp>
+      <p:sp>
+        <p:nvSpPr>
+          <p:cNvPr id="17" name="テキスト ボックス 16"/>
+          <p:cNvSpPr txBox="1"/>
+          <p:nvPr/>
+        </p:nvSpPr>
+        <p:spPr>
+          <a:xfrm>
+            <a:off x="2510714" y="4679521"/>
+            <a:ext cx="4031873" cy="2554545"/>
+          </a:xfrm>
+          <a:prstGeom prst="rect">
+            <a:avLst/>
+          </a:prstGeom>
+          <a:noFill/>
+        </p:spPr>
+        <p:txBody>
+          <a:bodyPr wrap="none" rtlCol="0">
+            <a:spAutoFit/>
+          </a:bodyPr>
+          <a:lstStyle/>
+          <a:p>
+            <a:pPr algn="ctr"/>
+            <a:r>
+              <a:rPr lang="ja-JP" altLang="en-US" sz="8000" dirty="0" smtClean="0">
+                <a:ln w="127000" cmpd="sng">
+                  <a:solidFill>
+                    <a:schemeClr val="bg1"/>
+                  </a:solidFill>
+                </a:ln>
+                <a:latin typeface="ヒラギノ角ゴ StdN W8"/>
+                <a:ea typeface="ヒラギノ角ゴ StdN W8"/>
+                <a:cs typeface="ヒラギノ角ゴ StdN W8"/>
+              </a:rPr>
+              <a:t>撮影</a:t>
+            </a:r>
+            <a:r>
+              <a:rPr lang="en-US" altLang="ja-JP" sz="8000" dirty="0" smtClean="0">
+                <a:ln w="127000" cmpd="sng">
+                  <a:solidFill>
+                    <a:schemeClr val="bg1"/>
+                  </a:solidFill>
+                </a:ln>
+                <a:latin typeface="ヒラギノ角ゴ StdN W8"/>
+                <a:ea typeface="ヒラギノ角ゴ StdN W8"/>
+                <a:cs typeface="ヒラギノ角ゴ StdN W8"/>
+              </a:rPr>
+              <a:t>OK</a:t>
+            </a:r>
+          </a:p>
+          <a:p>
+            <a:pPr algn="ctr"/>
+            <a:endParaRPr kumimoji="1" lang="ja-JP" altLang="en-US" sz="8000" dirty="0">
+              <a:ln w="127000" cmpd="sng">
+                <a:solidFill>
+                  <a:schemeClr val="bg1"/>
+                </a:solidFill>
+              </a:ln>
+              <a:latin typeface="ヒラギノ角ゴ StdN W8"/>
+              <a:ea typeface="ヒラギノ角ゴ StdN W8"/>
+              <a:cs typeface="ヒラギノ角ゴ StdN W8"/>
+            </a:endParaRPr>
+          </a:p>
+        </p:txBody>
+      </p:sp>
+      <p:sp>
+        <p:nvSpPr>
+          <p:cNvPr id="18" name="テキスト ボックス 17"/>
+          <p:cNvSpPr txBox="1"/>
+          <p:nvPr/>
+        </p:nvSpPr>
+        <p:spPr>
+          <a:xfrm>
+            <a:off x="2510714" y="4679521"/>
+            <a:ext cx="4031873" cy="1323439"/>
+          </a:xfrm>
+          <a:prstGeom prst="rect">
+            <a:avLst/>
+          </a:prstGeom>
+          <a:noFill/>
+        </p:spPr>
+        <p:txBody>
+          <a:bodyPr wrap="none" rtlCol="0">
+            <a:spAutoFit/>
+          </a:bodyPr>
+          <a:lstStyle/>
+          <a:p>
+            <a:pPr algn="ctr"/>
+            <a:r>
+              <a:rPr lang="ja-JP" altLang="en-US" sz="8000" dirty="0" smtClean="0">
+                <a:ln w="127000" cmpd="sng">
+                  <a:noFill/>
+                </a:ln>
+                <a:latin typeface="ヒラギノ角ゴ StdN W8"/>
+                <a:ea typeface="ヒラギノ角ゴ StdN W8"/>
+                <a:cs typeface="ヒラギノ角ゴ StdN W8"/>
+              </a:rPr>
+              <a:t>撮影</a:t>
+            </a:r>
+            <a:r>
+              <a:rPr lang="en-US" altLang="ja-JP" sz="8000" dirty="0" smtClean="0">
+                <a:ln w="127000" cmpd="sng">
+                  <a:noFill/>
+                </a:ln>
+                <a:latin typeface="ヒラギノ角ゴ StdN W8"/>
+                <a:ea typeface="ヒラギノ角ゴ StdN W8"/>
+                <a:cs typeface="ヒラギノ角ゴ StdN W8"/>
+              </a:rPr>
+              <a:t>OK</a:t>
+            </a:r>
+            <a:endParaRPr kumimoji="1" lang="ja-JP" altLang="en-US" sz="8000" dirty="0">
+              <a:ln w="127000" cmpd="sng">
+                <a:noFill/>
+              </a:ln>
+              <a:latin typeface="ヒラギノ角ゴ StdN W8"/>
+              <a:ea typeface="ヒラギノ角ゴ StdN W8"/>
+              <a:cs typeface="ヒラギノ角ゴ StdN W8"/>
+            </a:endParaRPr>
+          </a:p>
+        </p:txBody>
+      </p:sp>
+      <p:sp>
+        <p:nvSpPr>
+          <p:cNvPr id="20" name="テキスト ボックス 19"/>
+          <p:cNvSpPr txBox="1"/>
+          <p:nvPr/>
+        </p:nvSpPr>
+        <p:spPr>
+          <a:xfrm>
+            <a:off x="2455000" y="5785130"/>
+            <a:ext cx="4032488" cy="830997"/>
+          </a:xfrm>
+          <a:prstGeom prst="rect">
+            <a:avLst/>
+          </a:prstGeom>
+          <a:noFill/>
+        </p:spPr>
+        <p:txBody>
+          <a:bodyPr wrap="none" rtlCol="0">
+            <a:spAutoFit/>
+          </a:bodyPr>
+          <a:lstStyle/>
+          <a:p>
+            <a:pPr algn="ctr"/>
+            <a:r>
+              <a:rPr lang="en-US" altLang="ja-JP" sz="4800" dirty="0" smtClean="0">
+                <a:ln w="127000" cmpd="sng">
+                  <a:solidFill>
+                    <a:schemeClr val="bg1"/>
+                  </a:solidFill>
+                </a:ln>
+                <a:latin typeface="ヒラギノ角ゴ StdN W8"/>
+                <a:ea typeface="ヒラギノ角ゴ StdN W8"/>
+                <a:cs typeface="ヒラギノ角ゴ StdN W8"/>
+              </a:rPr>
+              <a:t>PHOTO OK</a:t>
+            </a:r>
+            <a:endParaRPr kumimoji="1" lang="ja-JP" altLang="en-US" sz="4800" dirty="0">
+              <a:ln w="127000" cmpd="sng">
+                <a:solidFill>
+                  <a:schemeClr val="bg1"/>
+                </a:solidFill>
+              </a:ln>
+              <a:latin typeface="ヒラギノ角ゴ StdN W8"/>
+              <a:ea typeface="ヒラギノ角ゴ StdN W8"/>
+              <a:cs typeface="ヒラギノ角ゴ StdN W8"/>
+            </a:endParaRPr>
+          </a:p>
+        </p:txBody>
+      </p:sp>
+      <p:sp>
+        <p:nvSpPr>
+          <p:cNvPr id="21" name="テキスト ボックス 20"/>
+          <p:cNvSpPr txBox="1"/>
+          <p:nvPr/>
+        </p:nvSpPr>
+        <p:spPr>
+          <a:xfrm>
+            <a:off x="2455000" y="5785130"/>
+            <a:ext cx="4032488" cy="830997"/>
+          </a:xfrm>
+          <a:prstGeom prst="rect">
+            <a:avLst/>
+          </a:prstGeom>
+          <a:noFill/>
+        </p:spPr>
+        <p:txBody>
+          <a:bodyPr wrap="none" rtlCol="0">
+            <a:spAutoFit/>
+          </a:bodyPr>
+          <a:lstStyle/>
+          <a:p>
+            <a:pPr algn="ctr"/>
+            <a:r>
+              <a:rPr lang="en-US" altLang="ja-JP" sz="4800" dirty="0" smtClean="0">
+                <a:ln w="19050" cmpd="sng">
+                  <a:noFill/>
+                </a:ln>
+                <a:latin typeface="ヒラギノ角ゴ StdN W8"/>
+                <a:ea typeface="ヒラギノ角ゴ StdN W8"/>
+                <a:cs typeface="ヒラギノ角ゴ StdN W8"/>
+              </a:rPr>
+              <a:t>PHOTO OK</a:t>
+            </a:r>
+            <a:endParaRPr kumimoji="1" lang="ja-JP" altLang="en-US" sz="4800" dirty="0">
+              <a:ln w="19050" cmpd="sng">
+                <a:noFill/>
+              </a:ln>
+              <a:latin typeface="ヒラギノ角ゴ StdN W8"/>
+              <a:ea typeface="ヒラギノ角ゴ StdN W8"/>
+              <a:cs typeface="ヒラギノ角ゴ StdN W8"/>
+            </a:endParaRPr>
+          </a:p>
+        </p:txBody>
+      </p:sp>
+      <p:sp>
+        <p:nvSpPr>
+          <p:cNvPr id="2" name="タイトル 1"/>
+          <p:cNvSpPr>
+            <a:spLocks noGrp="1"/>
+          </p:cNvSpPr>
+          <p:nvPr>
+            <p:ph type="title"/>
+          </p:nvPr>
+        </p:nvSpPr>
+        <p:spPr/>
+        <p:txBody>
+          <a:bodyPr/>
+          <a:lstStyle/>
+          <a:p>
+            <a:r>
+              <a:rPr lang="ja-JP" altLang="en-US" dirty="0" smtClean="0"/>
+              <a:t>撮影</a:t>
+            </a:r>
+            <a:r>
+              <a:rPr lang="en-US" altLang="ja-JP" dirty="0" smtClean="0"/>
+              <a:t>OK</a:t>
+            </a:r>
+            <a:endParaRPr kumimoji="1" lang="ja-JP" altLang="en-US" dirty="0"/>
+          </a:p>
+        </p:txBody>
+      </p:sp>
+    </p:spTree>
+    <p:extLst>
+      <p:ext uri="{BB962C8B-B14F-4D97-AF65-F5344CB8AC3E}">
+        <p14:creationId xmlns:p14="http://schemas.microsoft.com/office/powerpoint/2010/main" val="2745464207"/>
+      </p:ext>
+    </p:extLst>
+  </p:cSld>
+  <p:clrMapOvr>
+    <a:masterClrMapping/>
+  </p:clrMapOvr>
+  <p:timing>
+    <p:tnLst>
+      <p:par>
+        <p:cTn xmlns:p14="http://schemas.microsoft.com/office/powerpoint/2010/main" id="1" dur="indefinite" restart="never" nodeType="tmRoot"/>
+      </p:par>
+    </p:tnLst>
+  </p:timing>
+</p:sld>
+</file>
+
+<file path=ppt/slides/slide4.xml><?xml version="1.0" encoding="utf-8"?>
+<p:sld xmlns:a="http://schemas.openxmlformats.org/drawingml/2006/main" xmlns:r="http://schemas.openxmlformats.org/officeDocument/2006/relationships" xmlns:p="http://schemas.openxmlformats.org/presentationml/2006/main">
+  <p:cSld>
+    <p:spTree>
+      <p:nvGrpSpPr>
+        <p:cNvPr id="1" name=""/>
+        <p:cNvGrpSpPr/>
+        <p:nvPr/>
+      </p:nvGrpSpPr>
+      <p:grpSpPr>
+        <a:xfrm>
+          <a:off x="0" y="0"/>
+          <a:ext cx="0" cy="0"/>
+          <a:chOff x="0" y="0"/>
+          <a:chExt cx="0" cy="0"/>
+        </a:xfrm>
+      </p:grpSpPr>
+      <p:sp>
+        <p:nvSpPr>
+          <p:cNvPr id="15" name="円/楕円 14"/>
+          <p:cNvSpPr/>
+          <p:nvPr/>
+        </p:nvSpPr>
+        <p:spPr>
+          <a:xfrm>
+            <a:off x="1384548" y="522504"/>
+            <a:ext cx="6214848" cy="6214848"/>
+          </a:xfrm>
+          <a:prstGeom prst="ellipse">
+            <a:avLst/>
+          </a:prstGeom>
+          <a:solidFill>
+            <a:schemeClr val="bg1"/>
+          </a:solidFill>
+          <a:ln>
+            <a:noFill/>
+          </a:ln>
+        </p:spPr>
+        <p:style>
+          <a:lnRef idx="2">
+            <a:schemeClr val="dk1"/>
+          </a:lnRef>
+          <a:fillRef idx="1">
+            <a:schemeClr val="lt1"/>
+          </a:fillRef>
+          <a:effectRef idx="0">
+            <a:schemeClr val="dk1"/>
+          </a:effectRef>
+          <a:fontRef idx="minor">
+            <a:schemeClr val="dk1"/>
+          </a:fontRef>
+        </p:style>
+        <p:txBody>
+          <a:bodyPr rtlCol="0" anchor="ctr"/>
+          <a:lstStyle/>
+          <a:p>
+            <a:pPr algn="ctr"/>
+            <a:endParaRPr kumimoji="1" lang="ja-JP" altLang="en-US"/>
+          </a:p>
+        </p:txBody>
+      </p:sp>
       <p:sp>
         <p:nvSpPr>
           <p:cNvPr id="5" name="円/楕円 4"/>
@@ -4097,7 +5167,7 @@
         </p:nvSpPr>
         <p:spPr>
           <a:xfrm>
-            <a:off x="4017070" y="1847345"/>
+            <a:off x="4017070" y="2055565"/>
             <a:ext cx="2543733" cy="1726509"/>
           </a:xfrm>
           <a:prstGeom prst="ellipse">
@@ -4141,7 +5211,7 @@
         </p:nvSpPr>
         <p:spPr>
           <a:xfrm rot="13670853">
-            <a:off x="4054600" y="2483063"/>
+            <a:off x="4054600" y="2691283"/>
             <a:ext cx="1079484" cy="1536486"/>
           </a:xfrm>
           <a:prstGeom prst="triangle">
@@ -4185,7 +5255,7 @@
         </p:nvSpPr>
         <p:spPr>
           <a:xfrm>
-            <a:off x="1606843" y="535612"/>
+            <a:off x="1606843" y="743832"/>
             <a:ext cx="5786779" cy="5786779"/>
           </a:xfrm>
           <a:prstGeom prst="donut">
@@ -4235,7 +5305,7 @@
         </p:nvSpPr>
         <p:spPr>
           <a:xfrm rot="13500000">
-            <a:off x="1873712" y="3237362"/>
+            <a:off x="1873712" y="3445582"/>
             <a:ext cx="5285496" cy="467093"/>
           </a:xfrm>
           <a:prstGeom prst="rect">
@@ -4279,7 +5349,7 @@
         </p:nvSpPr>
         <p:spPr>
           <a:xfrm>
-            <a:off x="2629542" y="2965070"/>
+            <a:off x="2629542" y="3173290"/>
             <a:ext cx="1290957" cy="1290957"/>
           </a:xfrm>
           <a:prstGeom prst="ellipse">
@@ -4323,7 +5393,7 @@
         </p:nvSpPr>
         <p:spPr>
           <a:xfrm>
-            <a:off x="2606025" y="3542366"/>
+            <a:off x="2606025" y="3750586"/>
             <a:ext cx="1400550" cy="1474932"/>
           </a:xfrm>
           <a:prstGeom prst="triangle">
@@ -4367,7 +5437,7 @@
         </p:nvSpPr>
         <p:spPr>
           <a:xfrm>
-            <a:off x="2273691" y="5666778"/>
+            <a:off x="2273691" y="5874998"/>
             <a:ext cx="4443113" cy="769441"/>
           </a:xfrm>
           <a:prstGeom prst="rect">
@@ -4416,7 +5486,7 @@
         </p:nvSpPr>
         <p:spPr>
           <a:xfrm>
-            <a:off x="2273691" y="5666778"/>
+            <a:off x="2273691" y="5874998"/>
             <a:ext cx="4443113" cy="769441"/>
           </a:xfrm>
           <a:prstGeom prst="rect">
@@ -4461,7 +5531,7 @@
         </p:nvSpPr>
         <p:spPr>
           <a:xfrm>
-            <a:off x="2362111" y="4574249"/>
+            <a:off x="2362111" y="4782469"/>
             <a:ext cx="4288353" cy="1323439"/>
           </a:xfrm>
           <a:prstGeom prst="rect">
@@ -4510,7 +5580,7 @@
         </p:nvSpPr>
         <p:spPr>
           <a:xfrm>
-            <a:off x="2362111" y="4574249"/>
+            <a:off x="2362111" y="4782469"/>
             <a:ext cx="4288353" cy="1323439"/>
           </a:xfrm>
           <a:prstGeom prst="rect">
@@ -4547,10 +5617,572 @@
           </a:p>
         </p:txBody>
       </p:sp>
+      <p:sp>
+        <p:nvSpPr>
+          <p:cNvPr id="3" name="タイトル 2"/>
+          <p:cNvSpPr>
+            <a:spLocks noGrp="1"/>
+          </p:cNvSpPr>
+          <p:nvPr>
+            <p:ph type="title"/>
+          </p:nvPr>
+        </p:nvSpPr>
+        <p:spPr/>
+        <p:txBody>
+          <a:bodyPr/>
+          <a:lstStyle/>
+          <a:p>
+            <a:r>
+              <a:rPr kumimoji="1" lang="ja-JP" altLang="en-US" dirty="0" smtClean="0"/>
+              <a:t>オフレコ</a:t>
+            </a:r>
+            <a:endParaRPr kumimoji="1" lang="ja-JP" altLang="en-US" dirty="0"/>
+          </a:p>
+        </p:txBody>
+      </p:sp>
     </p:spTree>
     <p:extLst>
       <p:ext uri="{BB962C8B-B14F-4D97-AF65-F5344CB8AC3E}">
         <p14:creationId xmlns:p14="http://schemas.microsoft.com/office/powerpoint/2010/main" val="4239315617"/>
+      </p:ext>
+    </p:extLst>
+  </p:cSld>
+  <p:clrMapOvr>
+    <a:masterClrMapping/>
+  </p:clrMapOvr>
+</p:sld>
+</file>
+
+<file path=ppt/slides/slide5.xml><?xml version="1.0" encoding="utf-8"?>
+<p:sld xmlns:a="http://schemas.openxmlformats.org/drawingml/2006/main" xmlns:r="http://schemas.openxmlformats.org/officeDocument/2006/relationships" xmlns:p="http://schemas.openxmlformats.org/presentationml/2006/main">
+  <p:cSld>
+    <p:spTree>
+      <p:nvGrpSpPr>
+        <p:cNvPr id="1" name=""/>
+        <p:cNvGrpSpPr/>
+        <p:nvPr/>
+      </p:nvGrpSpPr>
+      <p:grpSpPr>
+        <a:xfrm>
+          <a:off x="0" y="0"/>
+          <a:ext cx="0" cy="0"/>
+          <a:chOff x="0" y="0"/>
+          <a:chExt cx="0" cy="0"/>
+        </a:xfrm>
+      </p:grpSpPr>
+      <p:sp>
+        <p:nvSpPr>
+          <p:cNvPr id="15" name="円/楕円 14"/>
+          <p:cNvSpPr/>
+          <p:nvPr/>
+        </p:nvSpPr>
+        <p:spPr>
+          <a:xfrm>
+            <a:off x="1384548" y="522504"/>
+            <a:ext cx="6214848" cy="6214848"/>
+          </a:xfrm>
+          <a:prstGeom prst="ellipse">
+            <a:avLst/>
+          </a:prstGeom>
+          <a:solidFill>
+            <a:schemeClr val="bg1"/>
+          </a:solidFill>
+          <a:ln>
+            <a:noFill/>
+          </a:ln>
+        </p:spPr>
+        <p:style>
+          <a:lnRef idx="2">
+            <a:schemeClr val="dk1"/>
+          </a:lnRef>
+          <a:fillRef idx="1">
+            <a:schemeClr val="lt1"/>
+          </a:fillRef>
+          <a:effectRef idx="0">
+            <a:schemeClr val="dk1"/>
+          </a:effectRef>
+          <a:fontRef idx="minor">
+            <a:schemeClr val="dk1"/>
+          </a:fontRef>
+        </p:style>
+        <p:txBody>
+          <a:bodyPr rtlCol="0" anchor="ctr"/>
+          <a:lstStyle/>
+          <a:p>
+            <a:pPr algn="ctr"/>
+            <a:endParaRPr kumimoji="1" lang="ja-JP" altLang="en-US"/>
+          </a:p>
+        </p:txBody>
+      </p:sp>
+      <p:sp>
+        <p:nvSpPr>
+          <p:cNvPr id="5" name="円/楕円 4"/>
+          <p:cNvSpPr/>
+          <p:nvPr/>
+        </p:nvSpPr>
+        <p:spPr>
+          <a:xfrm>
+            <a:off x="4017070" y="2055565"/>
+            <a:ext cx="2543733" cy="1726509"/>
+          </a:xfrm>
+          <a:prstGeom prst="ellipse">
+            <a:avLst/>
+          </a:prstGeom>
+          <a:solidFill>
+            <a:schemeClr val="tx1"/>
+          </a:solidFill>
+          <a:ln>
+            <a:noFill/>
+          </a:ln>
+        </p:spPr>
+        <p:style>
+          <a:lnRef idx="2">
+            <a:schemeClr val="dk1"/>
+          </a:lnRef>
+          <a:fillRef idx="1">
+            <a:schemeClr val="lt1"/>
+          </a:fillRef>
+          <a:effectRef idx="0">
+            <a:schemeClr val="dk1"/>
+          </a:effectRef>
+          <a:fontRef idx="minor">
+            <a:schemeClr val="dk1"/>
+          </a:fontRef>
+        </p:style>
+        <p:txBody>
+          <a:bodyPr rtlCol="0" anchor="ctr"/>
+          <a:lstStyle/>
+          <a:p>
+            <a:pPr algn="ctr"/>
+            <a:endParaRPr kumimoji="1" lang="ja-JP" altLang="en-US"/>
+          </a:p>
+        </p:txBody>
+      </p:sp>
+      <p:sp>
+        <p:nvSpPr>
+          <p:cNvPr id="17" name="二等辺三角形 16"/>
+          <p:cNvSpPr/>
+          <p:nvPr/>
+        </p:nvSpPr>
+        <p:spPr>
+          <a:xfrm rot="13670853">
+            <a:off x="4054600" y="2691283"/>
+            <a:ext cx="1079484" cy="1536486"/>
+          </a:xfrm>
+          <a:prstGeom prst="triangle">
+            <a:avLst/>
+          </a:prstGeom>
+          <a:solidFill>
+            <a:schemeClr val="tx1"/>
+          </a:solidFill>
+          <a:ln>
+            <a:noFill/>
+          </a:ln>
+        </p:spPr>
+        <p:style>
+          <a:lnRef idx="2">
+            <a:schemeClr val="dk1"/>
+          </a:lnRef>
+          <a:fillRef idx="1">
+            <a:schemeClr val="lt1"/>
+          </a:fillRef>
+          <a:effectRef idx="0">
+            <a:schemeClr val="dk1"/>
+          </a:effectRef>
+          <a:fontRef idx="minor">
+            <a:schemeClr val="dk1"/>
+          </a:fontRef>
+        </p:style>
+        <p:txBody>
+          <a:bodyPr rtlCol="0" anchor="ctr"/>
+          <a:lstStyle/>
+          <a:p>
+            <a:pPr algn="ctr"/>
+            <a:endParaRPr kumimoji="1" lang="ja-JP" altLang="en-US"/>
+          </a:p>
+        </p:txBody>
+      </p:sp>
+      <p:sp>
+        <p:nvSpPr>
+          <p:cNvPr id="8" name="ドーナツ 7"/>
+          <p:cNvSpPr/>
+          <p:nvPr/>
+        </p:nvSpPr>
+        <p:spPr>
+          <a:xfrm>
+            <a:off x="1606843" y="743832"/>
+            <a:ext cx="5786779" cy="5786779"/>
+          </a:xfrm>
+          <a:prstGeom prst="donut">
+            <a:avLst>
+              <a:gd name="adj" fmla="val 8850"/>
+            </a:avLst>
+          </a:prstGeom>
+          <a:solidFill>
+            <a:srgbClr val="64DD19"/>
+          </a:solidFill>
+          <a:ln>
+            <a:noFill/>
+          </a:ln>
+        </p:spPr>
+        <p:style>
+          <a:lnRef idx="2">
+            <a:schemeClr val="accent2"/>
+          </a:lnRef>
+          <a:fillRef idx="1">
+            <a:schemeClr val="lt1"/>
+          </a:fillRef>
+          <a:effectRef idx="0">
+            <a:schemeClr val="accent2"/>
+          </a:effectRef>
+          <a:fontRef idx="minor">
+            <a:schemeClr val="dk1"/>
+          </a:fontRef>
+        </p:style>
+        <p:txBody>
+          <a:bodyPr rtlCol="0" anchor="ctr"/>
+          <a:lstStyle/>
+          <a:p>
+            <a:pPr algn="ctr"/>
+            <a:endParaRPr kumimoji="1" lang="ja-JP" altLang="en-US">
+              <a:solidFill>
+                <a:srgbClr val="FF0000"/>
+              </a:solidFill>
+            </a:endParaRPr>
+          </a:p>
+        </p:txBody>
+      </p:sp>
+      <p:sp>
+        <p:nvSpPr>
+          <p:cNvPr id="2" name="円/楕円 1"/>
+          <p:cNvSpPr/>
+          <p:nvPr/>
+        </p:nvSpPr>
+        <p:spPr>
+          <a:xfrm>
+            <a:off x="2629542" y="3173290"/>
+            <a:ext cx="1290957" cy="1290957"/>
+          </a:xfrm>
+          <a:prstGeom prst="ellipse">
+            <a:avLst/>
+          </a:prstGeom>
+          <a:solidFill>
+            <a:srgbClr val="000000"/>
+          </a:solidFill>
+          <a:ln>
+            <a:noFill/>
+          </a:ln>
+        </p:spPr>
+        <p:style>
+          <a:lnRef idx="2">
+            <a:schemeClr val="dk1"/>
+          </a:lnRef>
+          <a:fillRef idx="1">
+            <a:schemeClr val="lt1"/>
+          </a:fillRef>
+          <a:effectRef idx="0">
+            <a:schemeClr val="dk1"/>
+          </a:effectRef>
+          <a:fontRef idx="minor">
+            <a:schemeClr val="dk1"/>
+          </a:fontRef>
+        </p:style>
+        <p:txBody>
+          <a:bodyPr rtlCol="0" anchor="ctr"/>
+          <a:lstStyle/>
+          <a:p>
+            <a:pPr algn="ctr"/>
+            <a:endParaRPr kumimoji="1" lang="ja-JP" altLang="en-US"/>
+          </a:p>
+        </p:txBody>
+      </p:sp>
+      <p:sp>
+        <p:nvSpPr>
+          <p:cNvPr id="4" name="二等辺三角形 3"/>
+          <p:cNvSpPr/>
+          <p:nvPr/>
+        </p:nvSpPr>
+        <p:spPr>
+          <a:xfrm>
+            <a:off x="2606025" y="3750586"/>
+            <a:ext cx="1400550" cy="1474932"/>
+          </a:xfrm>
+          <a:prstGeom prst="triangle">
+            <a:avLst/>
+          </a:prstGeom>
+          <a:solidFill>
+            <a:srgbClr val="000000"/>
+          </a:solidFill>
+          <a:ln>
+            <a:noFill/>
+          </a:ln>
+        </p:spPr>
+        <p:style>
+          <a:lnRef idx="2">
+            <a:schemeClr val="dk1"/>
+          </a:lnRef>
+          <a:fillRef idx="1">
+            <a:schemeClr val="lt1"/>
+          </a:fillRef>
+          <a:effectRef idx="0">
+            <a:schemeClr val="dk1"/>
+          </a:effectRef>
+          <a:fontRef idx="minor">
+            <a:schemeClr val="dk1"/>
+          </a:fontRef>
+        </p:style>
+        <p:txBody>
+          <a:bodyPr rtlCol="0" anchor="ctr"/>
+          <a:lstStyle/>
+          <a:p>
+            <a:pPr algn="ctr"/>
+            <a:endParaRPr kumimoji="1" lang="ja-JP" altLang="en-US"/>
+          </a:p>
+        </p:txBody>
+      </p:sp>
+      <p:sp>
+        <p:nvSpPr>
+          <p:cNvPr id="24" name="テキスト ボックス 23"/>
+          <p:cNvSpPr txBox="1"/>
+          <p:nvPr/>
+        </p:nvSpPr>
+        <p:spPr>
+          <a:xfrm>
+            <a:off x="3183553" y="5874998"/>
+            <a:ext cx="2623384" cy="769441"/>
+          </a:xfrm>
+          <a:prstGeom prst="rect">
+            <a:avLst/>
+          </a:prstGeom>
+          <a:noFill/>
+        </p:spPr>
+        <p:txBody>
+          <a:bodyPr wrap="none" rtlCol="0">
+            <a:spAutoFit/>
+          </a:bodyPr>
+          <a:lstStyle/>
+          <a:p>
+            <a:pPr algn="ctr"/>
+            <a:r>
+              <a:rPr lang="en-US" altLang="ja-JP" sz="4400" dirty="0" smtClean="0">
+                <a:ln w="127000" cmpd="sng">
+                  <a:solidFill>
+                    <a:srgbClr val="FFFFFF"/>
+                  </a:solidFill>
+                </a:ln>
+                <a:latin typeface="ヒラギノ角ゴ StdN W8"/>
+                <a:ea typeface="ヒラギノ角ゴ StdN W8"/>
+                <a:cs typeface="ヒラギノ角ゴ StdN W8"/>
+              </a:rPr>
+              <a:t>PUBLIC</a:t>
+            </a:r>
+            <a:endParaRPr kumimoji="1" lang="ja-JP" altLang="en-US" sz="4400" dirty="0">
+              <a:ln w="127000" cmpd="sng">
+                <a:solidFill>
+                  <a:srgbClr val="FFFFFF"/>
+                </a:solidFill>
+              </a:ln>
+              <a:latin typeface="ヒラギノ角ゴ StdN W8"/>
+              <a:ea typeface="ヒラギノ角ゴ StdN W8"/>
+              <a:cs typeface="ヒラギノ角ゴ StdN W8"/>
+            </a:endParaRPr>
+          </a:p>
+        </p:txBody>
+      </p:sp>
+      <p:sp>
+        <p:nvSpPr>
+          <p:cNvPr id="25" name="テキスト ボックス 24"/>
+          <p:cNvSpPr txBox="1"/>
+          <p:nvPr/>
+        </p:nvSpPr>
+        <p:spPr>
+          <a:xfrm>
+            <a:off x="3183554" y="5874998"/>
+            <a:ext cx="2623384" cy="769441"/>
+          </a:xfrm>
+          <a:prstGeom prst="rect">
+            <a:avLst/>
+          </a:prstGeom>
+          <a:noFill/>
+        </p:spPr>
+        <p:txBody>
+          <a:bodyPr wrap="none" rtlCol="0">
+            <a:spAutoFit/>
+          </a:bodyPr>
+          <a:lstStyle/>
+          <a:p>
+            <a:pPr algn="ctr"/>
+            <a:r>
+              <a:rPr lang="en-US" altLang="ja-JP" sz="4400" dirty="0" smtClean="0">
+                <a:ln w="19050" cmpd="sng">
+                  <a:noFill/>
+                </a:ln>
+                <a:latin typeface="ヒラギノ角ゴ StdN W8"/>
+                <a:ea typeface="ヒラギノ角ゴ StdN W8"/>
+                <a:cs typeface="ヒラギノ角ゴ StdN W8"/>
+              </a:rPr>
+              <a:t>PUBLIC </a:t>
+            </a:r>
+            <a:endParaRPr kumimoji="1" lang="ja-JP" altLang="en-US" sz="4400" dirty="0">
+              <a:ln w="19050" cmpd="sng">
+                <a:noFill/>
+              </a:ln>
+              <a:latin typeface="ヒラギノ角ゴ StdN W8"/>
+              <a:ea typeface="ヒラギノ角ゴ StdN W8"/>
+              <a:cs typeface="ヒラギノ角ゴ StdN W8"/>
+            </a:endParaRPr>
+          </a:p>
+        </p:txBody>
+      </p:sp>
+      <p:sp>
+        <p:nvSpPr>
+          <p:cNvPr id="26" name="テキスト ボックス 25"/>
+          <p:cNvSpPr txBox="1"/>
+          <p:nvPr/>
+        </p:nvSpPr>
+        <p:spPr>
+          <a:xfrm>
+            <a:off x="2490351" y="4782469"/>
+            <a:ext cx="4031873" cy="1323439"/>
+          </a:xfrm>
+          <a:prstGeom prst="rect">
+            <a:avLst/>
+          </a:prstGeom>
+          <a:noFill/>
+        </p:spPr>
+        <p:txBody>
+          <a:bodyPr wrap="none" rtlCol="0">
+            <a:spAutoFit/>
+          </a:bodyPr>
+          <a:lstStyle/>
+          <a:p>
+            <a:pPr algn="ctr"/>
+            <a:r>
+              <a:rPr lang="ja-JP" altLang="en-US" sz="8000" dirty="0" smtClean="0">
+                <a:ln w="127000" cmpd="sng">
+                  <a:solidFill>
+                    <a:schemeClr val="bg1"/>
+                  </a:solidFill>
+                </a:ln>
+                <a:latin typeface="ヒラギノ角ゴ StdN W8"/>
+                <a:ea typeface="ヒラギノ角ゴ StdN W8"/>
+                <a:cs typeface="ヒラギノ角ゴ StdN W8"/>
+              </a:rPr>
+              <a:t>公開</a:t>
+            </a:r>
+            <a:r>
+              <a:rPr lang="en-US" altLang="ja-JP" sz="8000" dirty="0" smtClean="0">
+                <a:ln w="127000" cmpd="sng">
+                  <a:solidFill>
+                    <a:schemeClr val="bg1"/>
+                  </a:solidFill>
+                </a:ln>
+                <a:latin typeface="ヒラギノ角ゴ StdN W8"/>
+                <a:ea typeface="ヒラギノ角ゴ StdN W8"/>
+                <a:cs typeface="ヒラギノ角ゴ StdN W8"/>
+              </a:rPr>
+              <a:t>OK</a:t>
+            </a:r>
+            <a:endParaRPr kumimoji="1" lang="ja-JP" altLang="en-US" sz="8000" dirty="0">
+              <a:ln w="127000" cmpd="sng">
+                <a:solidFill>
+                  <a:schemeClr val="bg1"/>
+                </a:solidFill>
+              </a:ln>
+              <a:latin typeface="ヒラギノ角ゴ StdN W8"/>
+              <a:ea typeface="ヒラギノ角ゴ StdN W8"/>
+              <a:cs typeface="ヒラギノ角ゴ StdN W8"/>
+            </a:endParaRPr>
+          </a:p>
+        </p:txBody>
+      </p:sp>
+      <p:sp>
+        <p:nvSpPr>
+          <p:cNvPr id="27" name="テキスト ボックス 26"/>
+          <p:cNvSpPr txBox="1"/>
+          <p:nvPr/>
+        </p:nvSpPr>
+        <p:spPr>
+          <a:xfrm>
+            <a:off x="2490351" y="4782469"/>
+            <a:ext cx="4031873" cy="1323439"/>
+          </a:xfrm>
+          <a:prstGeom prst="rect">
+            <a:avLst/>
+          </a:prstGeom>
+          <a:noFill/>
+        </p:spPr>
+        <p:txBody>
+          <a:bodyPr wrap="none" rtlCol="0">
+            <a:spAutoFit/>
+          </a:bodyPr>
+          <a:lstStyle/>
+          <a:p>
+            <a:pPr algn="ctr"/>
+            <a:r>
+              <a:rPr lang="ja-JP" altLang="en-US" sz="8000" dirty="0" smtClean="0">
+                <a:ln w="19050" cmpd="sng">
+                  <a:noFill/>
+                </a:ln>
+                <a:latin typeface="ヒラギノ角ゴ StdN W8"/>
+                <a:ea typeface="ヒラギノ角ゴ StdN W8"/>
+                <a:cs typeface="ヒラギノ角ゴ StdN W8"/>
+              </a:rPr>
+              <a:t>公開</a:t>
+            </a:r>
+            <a:r>
+              <a:rPr lang="en-US" altLang="ja-JP" sz="8000" dirty="0" smtClean="0">
+                <a:ln w="19050" cmpd="sng">
+                  <a:noFill/>
+                </a:ln>
+                <a:latin typeface="ヒラギノ角ゴ StdN W8"/>
+                <a:ea typeface="ヒラギノ角ゴ StdN W8"/>
+                <a:cs typeface="ヒラギノ角ゴ StdN W8"/>
+              </a:rPr>
+              <a:t>OK</a:t>
+            </a:r>
+            <a:endParaRPr kumimoji="1" lang="ja-JP" altLang="en-US" sz="8000" dirty="0">
+              <a:ln w="19050" cmpd="sng">
+                <a:noFill/>
+              </a:ln>
+              <a:latin typeface="ヒラギノ角ゴ StdN W8"/>
+              <a:ea typeface="ヒラギノ角ゴ StdN W8"/>
+              <a:cs typeface="ヒラギノ角ゴ StdN W8"/>
+            </a:endParaRPr>
+          </a:p>
+        </p:txBody>
+      </p:sp>
+      <p:sp>
+        <p:nvSpPr>
+          <p:cNvPr id="3" name="タイトル 2"/>
+          <p:cNvSpPr>
+            <a:spLocks noGrp="1"/>
+          </p:cNvSpPr>
+          <p:nvPr>
+            <p:ph type="title"/>
+          </p:nvPr>
+        </p:nvSpPr>
+        <p:spPr/>
+        <p:txBody>
+          <a:bodyPr/>
+          <a:lstStyle/>
+          <a:p>
+            <a:r>
+              <a:rPr lang="ja-JP" altLang="en-US" dirty="0" smtClean="0"/>
+              <a:t>公開</a:t>
+            </a:r>
+            <a:r>
+              <a:rPr lang="en-US" altLang="ja-JP" dirty="0" smtClean="0"/>
+              <a:t>OK</a:t>
+            </a:r>
+            <a:endParaRPr kumimoji="1" lang="ja-JP" altLang="en-US" dirty="0"/>
+          </a:p>
+        </p:txBody>
+      </p:sp>
+    </p:spTree>
+    <p:extLst>
+      <p:ext uri="{BB962C8B-B14F-4D97-AF65-F5344CB8AC3E}">
+        <p14:creationId xmlns:p14="http://schemas.microsoft.com/office/powerpoint/2010/main" val="2159476600"/>
       </p:ext>
     </p:extLst>
   </p:cSld>
@@ -4601,76 +6233,22 @@
         <a:srgbClr val="800080"/>
       </a:folHlink>
     </a:clrScheme>
-    <a:fontScheme name="Office">
+    <a:fontScheme name="インスピレーション">
       <a:majorFont>
-        <a:latin typeface="Calibri"/>
+        <a:latin typeface="News Gothic MT"/>
         <a:ea typeface=""/>
         <a:cs typeface=""/>
-        <a:font script="Jpan" typeface="ＭＳ Ｐゴシック"/>
-        <a:font script="Hang" typeface="맑은 고딕"/>
+        <a:font script="Jpan" typeface="メイリオ"/>
         <a:font script="Hans" typeface="宋体"/>
         <a:font script="Hant" typeface="新細明體"/>
-        <a:font script="Arab" typeface="Times New Roman"/>
-        <a:font script="Hebr" typeface="Times New Roman"/>
-        <a:font script="Thai" typeface="Angsana New"/>
-        <a:font script="Ethi" typeface="Nyala"/>
-        <a:font script="Beng" typeface="Vrinda"/>
-        <a:font script="Gujr" typeface="Shruti"/>
-        <a:font script="Khmr" typeface="MoolBoran"/>
-        <a:font script="Knda" typeface="Tunga"/>
-        <a:font script="Guru" typeface="Raavi"/>
-        <a:font script="Cans" typeface="Euphemia"/>
-        <a:font script="Cher" typeface="Plantagenet Cherokee"/>
-        <a:font script="Yiii" typeface="Microsoft Yi Baiti"/>
-        <a:font script="Tibt" typeface="Microsoft Himalaya"/>
-        <a:font script="Thaa" typeface="MV Boli"/>
-        <a:font script="Deva" typeface="Mangal"/>
-        <a:font script="Telu" typeface="Gautami"/>
-        <a:font script="Taml" typeface="Latha"/>
-        <a:font script="Syrc" typeface="Estrangelo Edessa"/>
-        <a:font script="Orya" typeface="Kalinga"/>
-        <a:font script="Mlym" typeface="Kartika"/>
-        <a:font script="Laoo" typeface="DokChampa"/>
-        <a:font script="Sinh" typeface="Iskoola Pota"/>
-        <a:font script="Mong" typeface="Mongolian Baiti"/>
-        <a:font script="Viet" typeface="Times New Roman"/>
-        <a:font script="Uigh" typeface="Microsoft Uighur"/>
-        <a:font script="Geor" typeface="Sylfaen"/>
       </a:majorFont>
       <a:minorFont>
-        <a:latin typeface="Calibri"/>
+        <a:latin typeface="News Gothic MT"/>
         <a:ea typeface=""/>
         <a:cs typeface=""/>
-        <a:font script="Jpan" typeface="ＭＳ Ｐゴシック"/>
-        <a:font script="Hang" typeface="맑은 고딕"/>
+        <a:font script="Jpan" typeface="メイリオ"/>
         <a:font script="Hans" typeface="宋体"/>
         <a:font script="Hant" typeface="新細明體"/>
-        <a:font script="Arab" typeface="Arial"/>
-        <a:font script="Hebr" typeface="Arial"/>
-        <a:font script="Thai" typeface="Cordia New"/>
-        <a:font script="Ethi" typeface="Nyala"/>
-        <a:font script="Beng" typeface="Vrinda"/>
-        <a:font script="Gujr" typeface="Shruti"/>
-        <a:font script="Khmr" typeface="DaunPenh"/>
-        <a:font script="Knda" typeface="Tunga"/>
-        <a:font script="Guru" typeface="Raavi"/>
-        <a:font script="Cans" typeface="Euphemia"/>
-        <a:font script="Cher" typeface="Plantagenet Cherokee"/>
-        <a:font script="Yiii" typeface="Microsoft Yi Baiti"/>
-        <a:font script="Tibt" typeface="Microsoft Himalaya"/>
-        <a:font script="Thaa" typeface="MV Boli"/>
-        <a:font script="Deva" typeface="Mangal"/>
-        <a:font script="Telu" typeface="Gautami"/>
-        <a:font script="Taml" typeface="Latha"/>
-        <a:font script="Syrc" typeface="Estrangelo Edessa"/>
-        <a:font script="Orya" typeface="Kalinga"/>
-        <a:font script="Mlym" typeface="Kartika"/>
-        <a:font script="Laoo" typeface="DokChampa"/>
-        <a:font script="Sinh" typeface="Iskoola Pota"/>
-        <a:font script="Mong" typeface="Mongolian Baiti"/>
-        <a:font script="Viet" typeface="Arial"/>
-        <a:font script="Uigh" typeface="Microsoft Uighur"/>
-        <a:font script="Geor" typeface="Sylfaen"/>
       </a:minorFont>
     </a:fontScheme>
     <a:fmtScheme name="Office">

--- a/presentation_icons.pptx
+++ b/presentation_icons.pptx
@@ -4845,7 +4845,7 @@
         <p:spPr>
           <a:xfrm>
             <a:off x="2510714" y="4679521"/>
-            <a:ext cx="4031873" cy="2554545"/>
+            <a:ext cx="4031873" cy="1323439"/>
           </a:xfrm>
           <a:prstGeom prst="rect">
             <a:avLst/>
@@ -4885,10 +4885,7 @@
               </a:rPr>
               <a:t>OK</a:t>
             </a:r>
-          </a:p>
-          <a:p>
-            <a:pPr algn="ctr"/>
-            <a:endParaRPr kumimoji="1" lang="ja-JP" altLang="en-US" sz="8000" dirty="0">
+            <a:endParaRPr lang="en-US" altLang="ja-JP" sz="8000" dirty="0" smtClean="0">
               <a:ln w="127000" cmpd="sng">
                 <a:solidFill>
                   <a:schemeClr val="bg1"/>

--- a/presentation_icons.pptx
+++ b/presentation_icons.pptx
@@ -4,12 +4,16 @@
   <p:sldMasterIdLst>
     <p:sldMasterId id="2147483648" r:id="rId1"/>
   </p:sldMasterIdLst>
+  <p:notesMasterIdLst>
+    <p:notesMasterId r:id="rId8"/>
+  </p:notesMasterIdLst>
   <p:sldIdLst>
     <p:sldId id="259" r:id="rId2"/>
     <p:sldId id="256" r:id="rId3"/>
     <p:sldId id="260" r:id="rId4"/>
     <p:sldId id="258" r:id="rId5"/>
-    <p:sldId id="261" r:id="rId6"/>
+    <p:sldId id="262" r:id="rId6"/>
+    <p:sldId id="261" r:id="rId7"/>
   </p:sldIdLst>
   <p:sldSz cx="9144000" cy="6858000" type="screen4x3"/>
   <p:notesSz cx="6858000" cy="9144000"/>
@@ -108,7 +112,373 @@
       </a:defRPr>
     </a:lvl9pPr>
   </p:defaultTextStyle>
+  <p:extLst>
+    <p:ext uri="{EFAFB233-063F-42B5-8137-9DF3F51BA10A}">
+      <p15:sldGuideLst xmlns:p15="http://schemas.microsoft.com/office/powerpoint/2012/main">
+        <p15:guide id="1" orient="horz" pos="2160">
+          <p15:clr>
+            <a:srgbClr val="A4A3A4"/>
+          </p15:clr>
+        </p15:guide>
+        <p15:guide id="2" pos="2880">
+          <p15:clr>
+            <a:srgbClr val="A4A3A4"/>
+          </p15:clr>
+        </p15:guide>
+      </p15:sldGuideLst>
+    </p:ext>
+  </p:extLst>
 </p:presentation>
+</file>
+
+<file path=ppt/notesMasters/notesMaster1.xml><?xml version="1.0" encoding="utf-8"?>
+<p:notesMaster xmlns:a="http://schemas.openxmlformats.org/drawingml/2006/main" xmlns:r="http://schemas.openxmlformats.org/officeDocument/2006/relationships" xmlns:p="http://schemas.openxmlformats.org/presentationml/2006/main">
+  <p:cSld>
+    <p:bg>
+      <p:bgRef idx="1001">
+        <a:schemeClr val="bg1"/>
+      </p:bgRef>
+    </p:bg>
+    <p:spTree>
+      <p:nvGrpSpPr>
+        <p:cNvPr id="1" name=""/>
+        <p:cNvGrpSpPr/>
+        <p:nvPr/>
+      </p:nvGrpSpPr>
+      <p:grpSpPr>
+        <a:xfrm>
+          <a:off x="0" y="0"/>
+          <a:ext cx="0" cy="0"/>
+          <a:chOff x="0" y="0"/>
+          <a:chExt cx="0" cy="0"/>
+        </a:xfrm>
+      </p:grpSpPr>
+      <p:sp>
+        <p:nvSpPr>
+          <p:cNvPr id="2" name="Header Placeholder 1"/>
+          <p:cNvSpPr>
+            <a:spLocks noGrp="1"/>
+          </p:cNvSpPr>
+          <p:nvPr>
+            <p:ph type="hdr" sz="quarter"/>
+          </p:nvPr>
+        </p:nvSpPr>
+        <p:spPr>
+          <a:xfrm>
+            <a:off x="0" y="0"/>
+            <a:ext cx="2971800" cy="458788"/>
+          </a:xfrm>
+          <a:prstGeom prst="rect">
+            <a:avLst/>
+          </a:prstGeom>
+        </p:spPr>
+        <p:txBody>
+          <a:bodyPr vert="horz" lIns="91440" tIns="45720" rIns="91440" bIns="45720" rtlCol="0"/>
+          <a:lstStyle>
+            <a:lvl1pPr algn="l">
+              <a:defRPr sz="1200"/>
+            </a:lvl1pPr>
+          </a:lstStyle>
+          <a:p>
+            <a:endParaRPr kumimoji="1" lang="ja-JP" altLang="en-US"/>
+          </a:p>
+        </p:txBody>
+      </p:sp>
+      <p:sp>
+        <p:nvSpPr>
+          <p:cNvPr id="3" name="Date Placeholder 2"/>
+          <p:cNvSpPr>
+            <a:spLocks noGrp="1"/>
+          </p:cNvSpPr>
+          <p:nvPr>
+            <p:ph type="dt" idx="1"/>
+          </p:nvPr>
+        </p:nvSpPr>
+        <p:spPr>
+          <a:xfrm>
+            <a:off x="3884613" y="0"/>
+            <a:ext cx="2971800" cy="458788"/>
+          </a:xfrm>
+          <a:prstGeom prst="rect">
+            <a:avLst/>
+          </a:prstGeom>
+        </p:spPr>
+        <p:txBody>
+          <a:bodyPr vert="horz" lIns="91440" tIns="45720" rIns="91440" bIns="45720" rtlCol="0"/>
+          <a:lstStyle>
+            <a:lvl1pPr algn="r">
+              <a:defRPr sz="1200"/>
+            </a:lvl1pPr>
+          </a:lstStyle>
+          <a:p>
+            <a:fld id="{576A391C-0408-194D-AE9E-F216A60AA8EE}" type="datetimeFigureOut">
+              <a:rPr kumimoji="1" lang="ja-JP" altLang="en-US" smtClean="0"/>
+              <a:t>2017/11/28</a:t>
+            </a:fld>
+            <a:endParaRPr kumimoji="1" lang="ja-JP" altLang="en-US"/>
+          </a:p>
+        </p:txBody>
+      </p:sp>
+      <p:sp>
+        <p:nvSpPr>
+          <p:cNvPr id="4" name="Slide Image Placeholder 3"/>
+          <p:cNvSpPr>
+            <a:spLocks noGrp="1" noRot="1" noChangeAspect="1"/>
+          </p:cNvSpPr>
+          <p:nvPr>
+            <p:ph type="sldImg" idx="2"/>
+          </p:nvPr>
+        </p:nvSpPr>
+        <p:spPr>
+          <a:xfrm>
+            <a:off x="1371600" y="1143000"/>
+            <a:ext cx="4114800" cy="3086100"/>
+          </a:xfrm>
+          <a:prstGeom prst="rect">
+            <a:avLst/>
+          </a:prstGeom>
+          <a:noFill/>
+          <a:ln w="12700">
+            <a:solidFill>
+              <a:prstClr val="black"/>
+            </a:solidFill>
+          </a:ln>
+        </p:spPr>
+        <p:txBody>
+          <a:bodyPr vert="horz" lIns="91440" tIns="45720" rIns="91440" bIns="45720" rtlCol="0" anchor="ctr"/>
+          <a:lstStyle/>
+          <a:p>
+            <a:endParaRPr lang="ja-JP" altLang="en-US"/>
+          </a:p>
+        </p:txBody>
+      </p:sp>
+      <p:sp>
+        <p:nvSpPr>
+          <p:cNvPr id="5" name="Notes Placeholder 4"/>
+          <p:cNvSpPr>
+            <a:spLocks noGrp="1"/>
+          </p:cNvSpPr>
+          <p:nvPr>
+            <p:ph type="body" sz="quarter" idx="3"/>
+          </p:nvPr>
+        </p:nvSpPr>
+        <p:spPr>
+          <a:xfrm>
+            <a:off x="685800" y="4400550"/>
+            <a:ext cx="5486400" cy="3600450"/>
+          </a:xfrm>
+          <a:prstGeom prst="rect">
+            <a:avLst/>
+          </a:prstGeom>
+        </p:spPr>
+        <p:txBody>
+          <a:bodyPr vert="horz" lIns="91440" tIns="45720" rIns="91440" bIns="45720" rtlCol="0"/>
+          <a:lstStyle/>
+          <a:p>
+            <a:pPr lvl="0"/>
+            <a:r>
+              <a:rPr kumimoji="1" lang="en-US" altLang="ja-JP" smtClean="0"/>
+              <a:t>Click to edit Master text styles</a:t>
+            </a:r>
+          </a:p>
+          <a:p>
+            <a:pPr lvl="1"/>
+            <a:r>
+              <a:rPr kumimoji="1" lang="en-US" altLang="ja-JP" smtClean="0"/>
+              <a:t>Second level</a:t>
+            </a:r>
+          </a:p>
+          <a:p>
+            <a:pPr lvl="2"/>
+            <a:r>
+              <a:rPr kumimoji="1" lang="en-US" altLang="ja-JP" smtClean="0"/>
+              <a:t>Third level</a:t>
+            </a:r>
+          </a:p>
+          <a:p>
+            <a:pPr lvl="3"/>
+            <a:r>
+              <a:rPr kumimoji="1" lang="en-US" altLang="ja-JP" smtClean="0"/>
+              <a:t>Fourth level</a:t>
+            </a:r>
+          </a:p>
+          <a:p>
+            <a:pPr lvl="4"/>
+            <a:r>
+              <a:rPr kumimoji="1" lang="en-US" altLang="ja-JP" smtClean="0"/>
+              <a:t>Fifth level</a:t>
+            </a:r>
+            <a:endParaRPr kumimoji="1" lang="ja-JP" altLang="en-US"/>
+          </a:p>
+        </p:txBody>
+      </p:sp>
+      <p:sp>
+        <p:nvSpPr>
+          <p:cNvPr id="6" name="Footer Placeholder 5"/>
+          <p:cNvSpPr>
+            <a:spLocks noGrp="1"/>
+          </p:cNvSpPr>
+          <p:nvPr>
+            <p:ph type="ftr" sz="quarter" idx="4"/>
+          </p:nvPr>
+        </p:nvSpPr>
+        <p:spPr>
+          <a:xfrm>
+            <a:off x="0" y="8685213"/>
+            <a:ext cx="2971800" cy="458787"/>
+          </a:xfrm>
+          <a:prstGeom prst="rect">
+            <a:avLst/>
+          </a:prstGeom>
+        </p:spPr>
+        <p:txBody>
+          <a:bodyPr vert="horz" lIns="91440" tIns="45720" rIns="91440" bIns="45720" rtlCol="0" anchor="b"/>
+          <a:lstStyle>
+            <a:lvl1pPr algn="l">
+              <a:defRPr sz="1200"/>
+            </a:lvl1pPr>
+          </a:lstStyle>
+          <a:p>
+            <a:endParaRPr kumimoji="1" lang="ja-JP" altLang="en-US"/>
+          </a:p>
+        </p:txBody>
+      </p:sp>
+      <p:sp>
+        <p:nvSpPr>
+          <p:cNvPr id="7" name="Slide Number Placeholder 6"/>
+          <p:cNvSpPr>
+            <a:spLocks noGrp="1"/>
+          </p:cNvSpPr>
+          <p:nvPr>
+            <p:ph type="sldNum" sz="quarter" idx="5"/>
+          </p:nvPr>
+        </p:nvSpPr>
+        <p:spPr>
+          <a:xfrm>
+            <a:off x="3884613" y="8685213"/>
+            <a:ext cx="2971800" cy="458787"/>
+          </a:xfrm>
+          <a:prstGeom prst="rect">
+            <a:avLst/>
+          </a:prstGeom>
+        </p:spPr>
+        <p:txBody>
+          <a:bodyPr vert="horz" lIns="91440" tIns="45720" rIns="91440" bIns="45720" rtlCol="0" anchor="b"/>
+          <a:lstStyle>
+            <a:lvl1pPr algn="r">
+              <a:defRPr sz="1200"/>
+            </a:lvl1pPr>
+          </a:lstStyle>
+          <a:p>
+            <a:fld id="{B465D583-E6DB-2043-9A14-4C8023950959}" type="slidenum">
+              <a:rPr kumimoji="1" lang="ja-JP" altLang="en-US" smtClean="0"/>
+              <a:t>‹#›</a:t>
+            </a:fld>
+            <a:endParaRPr kumimoji="1" lang="ja-JP" altLang="en-US"/>
+          </a:p>
+        </p:txBody>
+      </p:sp>
+    </p:spTree>
+    <p:extLst>
+      <p:ext uri="{BB962C8B-B14F-4D97-AF65-F5344CB8AC3E}">
+        <p14:creationId xmlns:p14="http://schemas.microsoft.com/office/powerpoint/2010/main" val="1199515615"/>
+      </p:ext>
+    </p:extLst>
+  </p:cSld>
+  <p:clrMap bg1="lt1" tx1="dk1" bg2="lt2" tx2="dk2" accent1="accent1" accent2="accent2" accent3="accent3" accent4="accent4" accent5="accent5" accent6="accent6" hlink="hlink" folHlink="folHlink"/>
+  <p:notesStyle>
+    <a:lvl1pPr marL="0" algn="l" defTabSz="914400" rtl="0" eaLnBrk="1" latinLnBrk="0" hangingPunct="1">
+      <a:defRPr kumimoji="1" sz="1200" kern="1200">
+        <a:solidFill>
+          <a:schemeClr val="tx1"/>
+        </a:solidFill>
+        <a:latin typeface="+mn-lt"/>
+        <a:ea typeface="+mn-ea"/>
+        <a:cs typeface="+mn-cs"/>
+      </a:defRPr>
+    </a:lvl1pPr>
+    <a:lvl2pPr marL="457200" algn="l" defTabSz="914400" rtl="0" eaLnBrk="1" latinLnBrk="0" hangingPunct="1">
+      <a:defRPr kumimoji="1" sz="1200" kern="1200">
+        <a:solidFill>
+          <a:schemeClr val="tx1"/>
+        </a:solidFill>
+        <a:latin typeface="+mn-lt"/>
+        <a:ea typeface="+mn-ea"/>
+        <a:cs typeface="+mn-cs"/>
+      </a:defRPr>
+    </a:lvl2pPr>
+    <a:lvl3pPr marL="914400" algn="l" defTabSz="914400" rtl="0" eaLnBrk="1" latinLnBrk="0" hangingPunct="1">
+      <a:defRPr kumimoji="1" sz="1200" kern="1200">
+        <a:solidFill>
+          <a:schemeClr val="tx1"/>
+        </a:solidFill>
+        <a:latin typeface="+mn-lt"/>
+        <a:ea typeface="+mn-ea"/>
+        <a:cs typeface="+mn-cs"/>
+      </a:defRPr>
+    </a:lvl3pPr>
+    <a:lvl4pPr marL="1371600" algn="l" defTabSz="914400" rtl="0" eaLnBrk="1" latinLnBrk="0" hangingPunct="1">
+      <a:defRPr kumimoji="1" sz="1200" kern="1200">
+        <a:solidFill>
+          <a:schemeClr val="tx1"/>
+        </a:solidFill>
+        <a:latin typeface="+mn-lt"/>
+        <a:ea typeface="+mn-ea"/>
+        <a:cs typeface="+mn-cs"/>
+      </a:defRPr>
+    </a:lvl4pPr>
+    <a:lvl5pPr marL="1828800" algn="l" defTabSz="914400" rtl="0" eaLnBrk="1" latinLnBrk="0" hangingPunct="1">
+      <a:defRPr kumimoji="1" sz="1200" kern="1200">
+        <a:solidFill>
+          <a:schemeClr val="tx1"/>
+        </a:solidFill>
+        <a:latin typeface="+mn-lt"/>
+        <a:ea typeface="+mn-ea"/>
+        <a:cs typeface="+mn-cs"/>
+      </a:defRPr>
+    </a:lvl5pPr>
+    <a:lvl6pPr marL="2286000" algn="l" defTabSz="914400" rtl="0" eaLnBrk="1" latinLnBrk="0" hangingPunct="1">
+      <a:defRPr kumimoji="1" sz="1200" kern="1200">
+        <a:solidFill>
+          <a:schemeClr val="tx1"/>
+        </a:solidFill>
+        <a:latin typeface="+mn-lt"/>
+        <a:ea typeface="+mn-ea"/>
+        <a:cs typeface="+mn-cs"/>
+      </a:defRPr>
+    </a:lvl6pPr>
+    <a:lvl7pPr marL="2743200" algn="l" defTabSz="914400" rtl="0" eaLnBrk="1" latinLnBrk="0" hangingPunct="1">
+      <a:defRPr kumimoji="1" sz="1200" kern="1200">
+        <a:solidFill>
+          <a:schemeClr val="tx1"/>
+        </a:solidFill>
+        <a:latin typeface="+mn-lt"/>
+        <a:ea typeface="+mn-ea"/>
+        <a:cs typeface="+mn-cs"/>
+      </a:defRPr>
+    </a:lvl7pPr>
+    <a:lvl8pPr marL="3200400" algn="l" defTabSz="914400" rtl="0" eaLnBrk="1" latinLnBrk="0" hangingPunct="1">
+      <a:defRPr kumimoji="1" sz="1200" kern="1200">
+        <a:solidFill>
+          <a:schemeClr val="tx1"/>
+        </a:solidFill>
+        <a:latin typeface="+mn-lt"/>
+        <a:ea typeface="+mn-ea"/>
+        <a:cs typeface="+mn-cs"/>
+      </a:defRPr>
+    </a:lvl8pPr>
+    <a:lvl9pPr marL="3657600" algn="l" defTabSz="914400" rtl="0" eaLnBrk="1" latinLnBrk="0" hangingPunct="1">
+      <a:defRPr kumimoji="1" sz="1200" kern="1200">
+        <a:solidFill>
+          <a:schemeClr val="tx1"/>
+        </a:solidFill>
+        <a:latin typeface="+mn-lt"/>
+        <a:ea typeface="+mn-ea"/>
+        <a:cs typeface="+mn-cs"/>
+      </a:defRPr>
+    </a:lvl9pPr>
+  </p:notesStyle>
+</p:notesMaster>
 </file>
 
 <file path=ppt/slideLayouts/slideLayout1.xml><?xml version="1.0" encoding="utf-8"?>
@@ -292,7 +662,7 @@
           <a:p>
             <a:fld id="{D8189CFE-3915-8D48-B6F0-CD040830DDC8}" type="datetimeFigureOut">
               <a:rPr kumimoji="1" lang="ja-JP" altLang="en-US" smtClean="0"/>
-              <a:t>12/7/15</a:t>
+              <a:t>2017/11/28</a:t>
             </a:fld>
             <a:endParaRPr kumimoji="1" lang="ja-JP" altLang="en-US"/>
           </a:p>
@@ -494,7 +864,7 @@
           <a:p>
             <a:fld id="{D8189CFE-3915-8D48-B6F0-CD040830DDC8}" type="datetimeFigureOut">
               <a:rPr kumimoji="1" lang="ja-JP" altLang="en-US" smtClean="0"/>
-              <a:t>12/7/15</a:t>
+              <a:t>2017/11/28</a:t>
             </a:fld>
             <a:endParaRPr kumimoji="1" lang="ja-JP" altLang="en-US"/>
           </a:p>
@@ -706,7 +1076,7 @@
           <a:p>
             <a:fld id="{D8189CFE-3915-8D48-B6F0-CD040830DDC8}" type="datetimeFigureOut">
               <a:rPr kumimoji="1" lang="ja-JP" altLang="en-US" smtClean="0"/>
-              <a:t>12/7/15</a:t>
+              <a:t>2017/11/28</a:t>
             </a:fld>
             <a:endParaRPr kumimoji="1" lang="ja-JP" altLang="en-US"/>
           </a:p>
@@ -844,7 +1214,7 @@
           <a:p>
             <a:fld id="{D8189CFE-3915-8D48-B6F0-CD040830DDC8}" type="datetimeFigureOut">
               <a:rPr kumimoji="1" lang="ja-JP" altLang="en-US" smtClean="0"/>
-              <a:t>12/7/15</a:t>
+              <a:t>2017/11/28</a:t>
             </a:fld>
             <a:endParaRPr kumimoji="1" lang="ja-JP" altLang="en-US"/>
           </a:p>
@@ -1046,7 +1416,7 @@
           <a:p>
             <a:fld id="{D8189CFE-3915-8D48-B6F0-CD040830DDC8}" type="datetimeFigureOut">
               <a:rPr kumimoji="1" lang="ja-JP" altLang="en-US" smtClean="0"/>
-              <a:t>12/7/15</a:t>
+              <a:t>2017/11/28</a:t>
             </a:fld>
             <a:endParaRPr kumimoji="1" lang="ja-JP" altLang="en-US"/>
           </a:p>
@@ -1292,7 +1662,7 @@
           <a:p>
             <a:fld id="{D8189CFE-3915-8D48-B6F0-CD040830DDC8}" type="datetimeFigureOut">
               <a:rPr kumimoji="1" lang="ja-JP" altLang="en-US" smtClean="0"/>
-              <a:t>12/7/15</a:t>
+              <a:t>2017/11/28</a:t>
             </a:fld>
             <a:endParaRPr kumimoji="1" lang="ja-JP" altLang="en-US"/>
           </a:p>
@@ -1644,7 +2014,7 @@
           <a:p>
             <a:fld id="{D8189CFE-3915-8D48-B6F0-CD040830DDC8}" type="datetimeFigureOut">
               <a:rPr kumimoji="1" lang="ja-JP" altLang="en-US" smtClean="0"/>
-              <a:t>12/7/15</a:t>
+              <a:t>2017/11/28</a:t>
             </a:fld>
             <a:endParaRPr kumimoji="1" lang="ja-JP" altLang="en-US"/>
           </a:p>
@@ -2130,7 +2500,7 @@
           <a:p>
             <a:fld id="{D8189CFE-3915-8D48-B6F0-CD040830DDC8}" type="datetimeFigureOut">
               <a:rPr kumimoji="1" lang="ja-JP" altLang="en-US" smtClean="0"/>
-              <a:t>12/7/15</a:t>
+              <a:t>2017/11/28</a:t>
             </a:fld>
             <a:endParaRPr kumimoji="1" lang="ja-JP" altLang="en-US"/>
           </a:p>
@@ -2248,7 +2618,7 @@
           <a:p>
             <a:fld id="{D8189CFE-3915-8D48-B6F0-CD040830DDC8}" type="datetimeFigureOut">
               <a:rPr kumimoji="1" lang="ja-JP" altLang="en-US" smtClean="0"/>
-              <a:t>12/7/15</a:t>
+              <a:t>2017/11/28</a:t>
             </a:fld>
             <a:endParaRPr kumimoji="1" lang="ja-JP" altLang="en-US"/>
           </a:p>
@@ -2343,7 +2713,7 @@
           <a:p>
             <a:fld id="{D8189CFE-3915-8D48-B6F0-CD040830DDC8}" type="datetimeFigureOut">
               <a:rPr kumimoji="1" lang="ja-JP" altLang="en-US" smtClean="0"/>
-              <a:t>12/7/15</a:t>
+              <a:t>2017/11/28</a:t>
             </a:fld>
             <a:endParaRPr kumimoji="1" lang="ja-JP" altLang="en-US"/>
           </a:p>
@@ -2652,7 +3022,7 @@
           <a:p>
             <a:fld id="{D8189CFE-3915-8D48-B6F0-CD040830DDC8}" type="datetimeFigureOut">
               <a:rPr kumimoji="1" lang="ja-JP" altLang="en-US" smtClean="0"/>
-              <a:t>12/7/15</a:t>
+              <a:t>2017/11/28</a:t>
             </a:fld>
             <a:endParaRPr kumimoji="1" lang="ja-JP" altLang="en-US"/>
           </a:p>
@@ -2905,7 +3275,7 @@
           <a:p>
             <a:fld id="{D8189CFE-3915-8D48-B6F0-CD040830DDC8}" type="datetimeFigureOut">
               <a:rPr kumimoji="1" lang="ja-JP" altLang="en-US" smtClean="0"/>
-              <a:t>12/7/15</a:t>
+              <a:t>2017/11/28</a:t>
             </a:fld>
             <a:endParaRPr kumimoji="1" lang="ja-JP" altLang="en-US"/>
           </a:p>
@@ -3150,7 +3520,7 @@
           <a:p>
             <a:fld id="{D8189CFE-3915-8D48-B6F0-CD040830DDC8}" type="datetimeFigureOut">
               <a:rPr kumimoji="1" lang="ja-JP" altLang="en-US" smtClean="0"/>
-              <a:t>12/7/15</a:t>
+              <a:t>2017/11/28</a:t>
             </a:fld>
             <a:endParaRPr kumimoji="1" lang="ja-JP" altLang="en-US"/>
           </a:p>
@@ -3764,14 +4134,14 @@
                 <a:latin typeface="Meiryo"/>
                 <a:cs typeface="Meiryo"/>
               </a:rPr>
-              <a:t>Microsoft </a:t>
-            </a:r>
-            <a:r>
-              <a:rPr lang="en-US" altLang="ja-JP" smtClean="0">
+              <a:t>Microsoft PowerPoint for Mac </a:t>
+            </a:r>
+            <a:r>
+              <a:rPr lang="en-US" altLang="ja-JP" dirty="0" smtClean="0">
                 <a:latin typeface="Meiryo"/>
                 <a:cs typeface="Meiryo"/>
               </a:rPr>
-              <a:t>PowerPoint for Mac 2011</a:t>
+              <a:t>2016</a:t>
             </a:r>
             <a:endParaRPr lang="en-US" altLang="ja-JP" dirty="0" smtClean="0">
               <a:latin typeface="Meiryo"/>
@@ -4576,7 +4946,7 @@
   <p:timing>
     <p:tnLst>
       <p:par>
-        <p:cTn xmlns:p14="http://schemas.microsoft.com/office/powerpoint/2010/main" id="1" dur="indefinite" restart="never" nodeType="tmRoot"/>
+        <p:cTn id="1" dur="indefinite" restart="never" nodeType="tmRoot"/>
       </p:par>
     </p:tnLst>
   </p:timing>
@@ -4885,16 +5255,6 @@
               </a:rPr>
               <a:t>OK</a:t>
             </a:r>
-            <a:endParaRPr lang="en-US" altLang="ja-JP" sz="8000" dirty="0" smtClean="0">
-              <a:ln w="127000" cmpd="sng">
-                <a:solidFill>
-                  <a:schemeClr val="bg1"/>
-                </a:solidFill>
-              </a:ln>
-              <a:latin typeface="ヒラギノ角ゴ StdN W8"/>
-              <a:ea typeface="ヒラギノ角ゴ StdN W8"/>
-              <a:cs typeface="ヒラギノ角ゴ StdN W8"/>
-            </a:endParaRPr>
           </a:p>
         </p:txBody>
       </p:sp>
@@ -5088,7 +5448,7 @@
   <p:timing>
     <p:tnLst>
       <p:par>
-        <p:cTn xmlns:p14="http://schemas.microsoft.com/office/powerpoint/2010/main" id="1" dur="indefinite" restart="never" nodeType="tmRoot"/>
+        <p:cTn id="1" dur="indefinite" restart="never" nodeType="tmRoot"/>
       </p:par>
     </p:tnLst>
   </p:timing>
@@ -5713,6 +6073,596 @@
       </p:sp>
       <p:sp>
         <p:nvSpPr>
+          <p:cNvPr id="17" name="二等辺三角形 16"/>
+          <p:cNvSpPr/>
+          <p:nvPr/>
+        </p:nvSpPr>
+        <p:spPr>
+          <a:xfrm rot="13670853">
+            <a:off x="4054600" y="2691283"/>
+            <a:ext cx="1079484" cy="1536486"/>
+          </a:xfrm>
+          <a:prstGeom prst="triangle">
+            <a:avLst/>
+          </a:prstGeom>
+          <a:solidFill>
+            <a:schemeClr val="tx1"/>
+          </a:solidFill>
+          <a:ln>
+            <a:noFill/>
+          </a:ln>
+        </p:spPr>
+        <p:style>
+          <a:lnRef idx="2">
+            <a:schemeClr val="dk1"/>
+          </a:lnRef>
+          <a:fillRef idx="1">
+            <a:schemeClr val="lt1"/>
+          </a:fillRef>
+          <a:effectRef idx="0">
+            <a:schemeClr val="dk1"/>
+          </a:effectRef>
+          <a:fontRef idx="minor">
+            <a:schemeClr val="dk1"/>
+          </a:fontRef>
+        </p:style>
+        <p:txBody>
+          <a:bodyPr rtlCol="0" anchor="ctr"/>
+          <a:lstStyle/>
+          <a:p>
+            <a:pPr algn="ctr"/>
+            <a:endParaRPr kumimoji="1" lang="ja-JP" altLang="en-US"/>
+          </a:p>
+        </p:txBody>
+      </p:sp>
+      <p:sp>
+        <p:nvSpPr>
+          <p:cNvPr id="5" name="円/楕円 4"/>
+          <p:cNvSpPr/>
+          <p:nvPr/>
+        </p:nvSpPr>
+        <p:spPr>
+          <a:xfrm>
+            <a:off x="4017070" y="2055565"/>
+            <a:ext cx="2543733" cy="1726509"/>
+          </a:xfrm>
+          <a:prstGeom prst="ellipse">
+            <a:avLst/>
+          </a:prstGeom>
+          <a:solidFill>
+            <a:schemeClr val="tx1"/>
+          </a:solidFill>
+          <a:ln>
+            <a:noFill/>
+          </a:ln>
+        </p:spPr>
+        <p:style>
+          <a:lnRef idx="2">
+            <a:schemeClr val="dk1"/>
+          </a:lnRef>
+          <a:fillRef idx="1">
+            <a:schemeClr val="lt1"/>
+          </a:fillRef>
+          <a:effectRef idx="0">
+            <a:schemeClr val="dk1"/>
+          </a:effectRef>
+          <a:fontRef idx="minor">
+            <a:schemeClr val="dk1"/>
+          </a:fontRef>
+        </p:style>
+        <p:txBody>
+          <a:bodyPr rtlCol="0" anchor="ctr"/>
+          <a:lstStyle/>
+          <a:p>
+            <a:pPr algn="ctr"/>
+            <a:endParaRPr kumimoji="1" lang="ja-JP" altLang="en-US" sz="4000" b="1" dirty="0">
+              <a:solidFill>
+                <a:schemeClr val="bg1"/>
+              </a:solidFill>
+              <a:latin typeface="Yu Gothic" charset="-128"/>
+              <a:ea typeface="Yu Gothic" charset="-128"/>
+              <a:cs typeface="Yu Gothic" charset="-128"/>
+            </a:endParaRPr>
+          </a:p>
+        </p:txBody>
+      </p:sp>
+      <p:sp>
+        <p:nvSpPr>
+          <p:cNvPr id="8" name="ドーナツ 7"/>
+          <p:cNvSpPr/>
+          <p:nvPr/>
+        </p:nvSpPr>
+        <p:spPr>
+          <a:xfrm>
+            <a:off x="1606843" y="743832"/>
+            <a:ext cx="5786779" cy="5786779"/>
+          </a:xfrm>
+          <a:prstGeom prst="donut">
+            <a:avLst>
+              <a:gd name="adj" fmla="val 8850"/>
+            </a:avLst>
+          </a:prstGeom>
+          <a:solidFill>
+            <a:srgbClr val="FF1F00"/>
+          </a:solidFill>
+          <a:ln>
+            <a:noFill/>
+          </a:ln>
+        </p:spPr>
+        <p:style>
+          <a:lnRef idx="2">
+            <a:schemeClr val="accent2"/>
+          </a:lnRef>
+          <a:fillRef idx="1">
+            <a:schemeClr val="lt1"/>
+          </a:fillRef>
+          <a:effectRef idx="0">
+            <a:schemeClr val="accent2"/>
+          </a:effectRef>
+          <a:fontRef idx="minor">
+            <a:schemeClr val="dk1"/>
+          </a:fontRef>
+        </p:style>
+        <p:txBody>
+          <a:bodyPr rtlCol="0" anchor="ctr"/>
+          <a:lstStyle/>
+          <a:p>
+            <a:pPr algn="ctr"/>
+            <a:endParaRPr kumimoji="1" lang="ja-JP" altLang="en-US">
+              <a:solidFill>
+                <a:srgbClr val="FF0000"/>
+              </a:solidFill>
+            </a:endParaRPr>
+          </a:p>
+        </p:txBody>
+      </p:sp>
+      <p:sp>
+        <p:nvSpPr>
+          <p:cNvPr id="14" name="正方形/長方形 13"/>
+          <p:cNvSpPr/>
+          <p:nvPr/>
+        </p:nvSpPr>
+        <p:spPr>
+          <a:xfrm rot="13500000">
+            <a:off x="1873712" y="3445582"/>
+            <a:ext cx="5285496" cy="467093"/>
+          </a:xfrm>
+          <a:prstGeom prst="rect">
+            <a:avLst/>
+          </a:prstGeom>
+          <a:solidFill>
+            <a:srgbClr val="FF1F00"/>
+          </a:solidFill>
+          <a:ln>
+            <a:noFill/>
+          </a:ln>
+        </p:spPr>
+        <p:style>
+          <a:lnRef idx="2">
+            <a:schemeClr val="accent2"/>
+          </a:lnRef>
+          <a:fillRef idx="1">
+            <a:schemeClr val="lt1"/>
+          </a:fillRef>
+          <a:effectRef idx="0">
+            <a:schemeClr val="accent2"/>
+          </a:effectRef>
+          <a:fontRef idx="minor">
+            <a:schemeClr val="dk1"/>
+          </a:fontRef>
+        </p:style>
+        <p:txBody>
+          <a:bodyPr rtlCol="0" anchor="ctr"/>
+          <a:lstStyle/>
+          <a:p>
+            <a:pPr algn="ctr"/>
+            <a:endParaRPr kumimoji="1" lang="ja-JP" altLang="en-US"/>
+          </a:p>
+        </p:txBody>
+      </p:sp>
+      <p:sp>
+        <p:nvSpPr>
+          <p:cNvPr id="2" name="円/楕円 1"/>
+          <p:cNvSpPr/>
+          <p:nvPr/>
+        </p:nvSpPr>
+        <p:spPr>
+          <a:xfrm>
+            <a:off x="2629542" y="3173290"/>
+            <a:ext cx="1290957" cy="1290957"/>
+          </a:xfrm>
+          <a:prstGeom prst="ellipse">
+            <a:avLst/>
+          </a:prstGeom>
+          <a:solidFill>
+            <a:srgbClr val="000000"/>
+          </a:solidFill>
+          <a:ln>
+            <a:noFill/>
+          </a:ln>
+        </p:spPr>
+        <p:style>
+          <a:lnRef idx="2">
+            <a:schemeClr val="dk1"/>
+          </a:lnRef>
+          <a:fillRef idx="1">
+            <a:schemeClr val="lt1"/>
+          </a:fillRef>
+          <a:effectRef idx="0">
+            <a:schemeClr val="dk1"/>
+          </a:effectRef>
+          <a:fontRef idx="minor">
+            <a:schemeClr val="dk1"/>
+          </a:fontRef>
+        </p:style>
+        <p:txBody>
+          <a:bodyPr rtlCol="0" anchor="ctr"/>
+          <a:lstStyle/>
+          <a:p>
+            <a:pPr algn="ctr"/>
+            <a:endParaRPr kumimoji="1" lang="ja-JP" altLang="en-US"/>
+          </a:p>
+        </p:txBody>
+      </p:sp>
+      <p:sp>
+        <p:nvSpPr>
+          <p:cNvPr id="4" name="二等辺三角形 3"/>
+          <p:cNvSpPr/>
+          <p:nvPr/>
+        </p:nvSpPr>
+        <p:spPr>
+          <a:xfrm>
+            <a:off x="2606025" y="3750586"/>
+            <a:ext cx="1400550" cy="1474932"/>
+          </a:xfrm>
+          <a:prstGeom prst="triangle">
+            <a:avLst/>
+          </a:prstGeom>
+          <a:solidFill>
+            <a:srgbClr val="000000"/>
+          </a:solidFill>
+          <a:ln>
+            <a:noFill/>
+          </a:ln>
+        </p:spPr>
+        <p:style>
+          <a:lnRef idx="2">
+            <a:schemeClr val="dk1"/>
+          </a:lnRef>
+          <a:fillRef idx="1">
+            <a:schemeClr val="lt1"/>
+          </a:fillRef>
+          <a:effectRef idx="0">
+            <a:schemeClr val="dk1"/>
+          </a:effectRef>
+          <a:fontRef idx="minor">
+            <a:schemeClr val="dk1"/>
+          </a:fontRef>
+        </p:style>
+        <p:txBody>
+          <a:bodyPr rtlCol="0" anchor="ctr"/>
+          <a:lstStyle/>
+          <a:p>
+            <a:pPr algn="ctr"/>
+            <a:endParaRPr kumimoji="1" lang="ja-JP" altLang="en-US"/>
+          </a:p>
+        </p:txBody>
+      </p:sp>
+      <p:sp>
+        <p:nvSpPr>
+          <p:cNvPr id="24" name="テキスト ボックス 23"/>
+          <p:cNvSpPr txBox="1"/>
+          <p:nvPr/>
+        </p:nvSpPr>
+        <p:spPr>
+          <a:xfrm>
+            <a:off x="1584038" y="5874998"/>
+            <a:ext cx="5822428" cy="769441"/>
+          </a:xfrm>
+          <a:prstGeom prst="rect">
+            <a:avLst/>
+          </a:prstGeom>
+          <a:noFill/>
+        </p:spPr>
+        <p:txBody>
+          <a:bodyPr wrap="none" rtlCol="0">
+            <a:spAutoFit/>
+          </a:bodyPr>
+          <a:lstStyle/>
+          <a:p>
+            <a:pPr algn="ctr"/>
+            <a:r>
+              <a:rPr lang="en-US" altLang="ja-JP" sz="4400" dirty="0" smtClean="0">
+                <a:ln w="127000" cmpd="sng">
+                  <a:solidFill>
+                    <a:srgbClr val="FFFFFF"/>
+                  </a:solidFill>
+                </a:ln>
+                <a:latin typeface="ヒラギノ角ゴ StdN W8"/>
+                <a:ea typeface="ヒラギノ角ゴ StdN W8"/>
+                <a:cs typeface="ヒラギノ角ゴ StdN W8"/>
+              </a:rPr>
+              <a:t>NO POST TO SNS</a:t>
+            </a:r>
+            <a:endParaRPr kumimoji="1" lang="ja-JP" altLang="en-US" sz="4400" dirty="0">
+              <a:ln w="127000" cmpd="sng">
+                <a:solidFill>
+                  <a:srgbClr val="FFFFFF"/>
+                </a:solidFill>
+              </a:ln>
+              <a:latin typeface="ヒラギノ角ゴ StdN W8"/>
+              <a:ea typeface="ヒラギノ角ゴ StdN W8"/>
+              <a:cs typeface="ヒラギノ角ゴ StdN W8"/>
+            </a:endParaRPr>
+          </a:p>
+        </p:txBody>
+      </p:sp>
+      <p:sp>
+        <p:nvSpPr>
+          <p:cNvPr id="25" name="テキスト ボックス 24"/>
+          <p:cNvSpPr txBox="1"/>
+          <p:nvPr/>
+        </p:nvSpPr>
+        <p:spPr>
+          <a:xfrm>
+            <a:off x="1584035" y="5874998"/>
+            <a:ext cx="5822428" cy="769441"/>
+          </a:xfrm>
+          <a:prstGeom prst="rect">
+            <a:avLst/>
+          </a:prstGeom>
+          <a:noFill/>
+        </p:spPr>
+        <p:txBody>
+          <a:bodyPr wrap="none" rtlCol="0">
+            <a:spAutoFit/>
+          </a:bodyPr>
+          <a:lstStyle/>
+          <a:p>
+            <a:pPr algn="ctr"/>
+            <a:r>
+              <a:rPr lang="en-US" altLang="ja-JP" sz="4400" dirty="0" smtClean="0">
+                <a:ln w="19050" cmpd="sng">
+                  <a:noFill/>
+                </a:ln>
+                <a:latin typeface="ヒラギノ角ゴ StdN W8"/>
+                <a:ea typeface="ヒラギノ角ゴ StdN W8"/>
+                <a:cs typeface="ヒラギノ角ゴ StdN W8"/>
+              </a:rPr>
+              <a:t>NO POST TO SNS</a:t>
+            </a:r>
+            <a:endParaRPr kumimoji="1" lang="ja-JP" altLang="en-US" sz="4400" dirty="0">
+              <a:ln w="19050" cmpd="sng">
+                <a:noFill/>
+              </a:ln>
+              <a:latin typeface="ヒラギノ角ゴ StdN W8"/>
+              <a:ea typeface="ヒラギノ角ゴ StdN W8"/>
+              <a:cs typeface="ヒラギノ角ゴ StdN W8"/>
+            </a:endParaRPr>
+          </a:p>
+        </p:txBody>
+      </p:sp>
+      <p:sp>
+        <p:nvSpPr>
+          <p:cNvPr id="26" name="テキスト ボックス 25"/>
+          <p:cNvSpPr txBox="1"/>
+          <p:nvPr/>
+        </p:nvSpPr>
+        <p:spPr>
+          <a:xfrm>
+            <a:off x="1458820" y="4782469"/>
+            <a:ext cx="6094937" cy="1200329"/>
+          </a:xfrm>
+          <a:prstGeom prst="rect">
+            <a:avLst/>
+          </a:prstGeom>
+          <a:noFill/>
+        </p:spPr>
+        <p:txBody>
+          <a:bodyPr wrap="none" rtlCol="0">
+            <a:spAutoFit/>
+          </a:bodyPr>
+          <a:lstStyle/>
+          <a:p>
+            <a:pPr algn="ctr"/>
+            <a:r>
+              <a:rPr kumimoji="1" lang="en-US" altLang="ja-JP" sz="7200" dirty="0" smtClean="0">
+                <a:ln w="127000" cmpd="sng">
+                  <a:solidFill>
+                    <a:schemeClr val="bg1"/>
+                  </a:solidFill>
+                </a:ln>
+                <a:latin typeface="ヒラギノ角ゴ StdN W8"/>
+                <a:ea typeface="ヒラギノ角ゴ StdN W8"/>
+                <a:cs typeface="ヒラギノ角ゴ StdN W8"/>
+              </a:rPr>
+              <a:t>SNS</a:t>
+            </a:r>
+            <a:r>
+              <a:rPr kumimoji="1" lang="ja-JP" altLang="en-US" sz="7200" dirty="0" smtClean="0">
+                <a:ln w="127000" cmpd="sng">
+                  <a:solidFill>
+                    <a:schemeClr val="bg1"/>
+                  </a:solidFill>
+                </a:ln>
+                <a:latin typeface="ヒラギノ角ゴ StdN W8"/>
+                <a:ea typeface="ヒラギノ角ゴ StdN W8"/>
+                <a:cs typeface="ヒラギノ角ゴ StdN W8"/>
+              </a:rPr>
+              <a:t>投稿禁止</a:t>
+            </a:r>
+            <a:endParaRPr kumimoji="1" lang="ja-JP" altLang="en-US" sz="7200" dirty="0">
+              <a:ln w="127000" cmpd="sng">
+                <a:solidFill>
+                  <a:schemeClr val="bg1"/>
+                </a:solidFill>
+              </a:ln>
+              <a:latin typeface="ヒラギノ角ゴ StdN W8"/>
+              <a:ea typeface="ヒラギノ角ゴ StdN W8"/>
+              <a:cs typeface="ヒラギノ角ゴ StdN W8"/>
+            </a:endParaRPr>
+          </a:p>
+        </p:txBody>
+      </p:sp>
+      <p:sp>
+        <p:nvSpPr>
+          <p:cNvPr id="27" name="テキスト ボックス 26"/>
+          <p:cNvSpPr txBox="1"/>
+          <p:nvPr/>
+        </p:nvSpPr>
+        <p:spPr>
+          <a:xfrm>
+            <a:off x="1458820" y="4782469"/>
+            <a:ext cx="6094937" cy="1200329"/>
+          </a:xfrm>
+          <a:prstGeom prst="rect">
+            <a:avLst/>
+          </a:prstGeom>
+          <a:noFill/>
+        </p:spPr>
+        <p:txBody>
+          <a:bodyPr wrap="none" rtlCol="0">
+            <a:spAutoFit/>
+          </a:bodyPr>
+          <a:lstStyle/>
+          <a:p>
+            <a:pPr algn="ctr"/>
+            <a:r>
+              <a:rPr lang="en-US" altLang="ja-JP" sz="7200" dirty="0" smtClean="0">
+                <a:ln w="19050" cmpd="sng">
+                  <a:noFill/>
+                </a:ln>
+                <a:latin typeface="ヒラギノ角ゴ StdN W8"/>
+                <a:ea typeface="ヒラギノ角ゴ StdN W8"/>
+                <a:cs typeface="ヒラギノ角ゴ StdN W8"/>
+              </a:rPr>
+              <a:t>SNS</a:t>
+            </a:r>
+            <a:r>
+              <a:rPr lang="ja-JP" altLang="en-US" sz="7200" dirty="0" smtClean="0">
+                <a:ln w="19050" cmpd="sng">
+                  <a:noFill/>
+                </a:ln>
+                <a:latin typeface="ヒラギノ角ゴ StdN W8"/>
+                <a:ea typeface="ヒラギノ角ゴ StdN W8"/>
+                <a:cs typeface="ヒラギノ角ゴ StdN W8"/>
+              </a:rPr>
+              <a:t>投稿禁止</a:t>
+            </a:r>
+            <a:endParaRPr kumimoji="1" lang="ja-JP" altLang="en-US" sz="7200" dirty="0">
+              <a:ln w="19050" cmpd="sng">
+                <a:noFill/>
+              </a:ln>
+              <a:latin typeface="ヒラギノ角ゴ StdN W8"/>
+              <a:ea typeface="ヒラギノ角ゴ StdN W8"/>
+              <a:cs typeface="ヒラギノ角ゴ StdN W8"/>
+            </a:endParaRPr>
+          </a:p>
+        </p:txBody>
+      </p:sp>
+      <p:sp>
+        <p:nvSpPr>
+          <p:cNvPr id="3" name="タイトル 2"/>
+          <p:cNvSpPr>
+            <a:spLocks noGrp="1"/>
+          </p:cNvSpPr>
+          <p:nvPr>
+            <p:ph type="title"/>
+          </p:nvPr>
+        </p:nvSpPr>
+        <p:spPr/>
+        <p:txBody>
+          <a:bodyPr/>
+          <a:lstStyle/>
+          <a:p>
+            <a:r>
+              <a:rPr lang="en-US" altLang="ja-JP" dirty="0" smtClean="0"/>
+              <a:t>SNS</a:t>
+            </a:r>
+            <a:r>
+              <a:rPr lang="ja-JP" altLang="en-US" dirty="0" smtClean="0"/>
+              <a:t>投稿禁止</a:t>
+            </a:r>
+            <a:endParaRPr kumimoji="1" lang="ja-JP" altLang="en-US" dirty="0"/>
+          </a:p>
+        </p:txBody>
+      </p:sp>
+    </p:spTree>
+    <p:extLst>
+      <p:ext uri="{BB962C8B-B14F-4D97-AF65-F5344CB8AC3E}">
+        <p14:creationId xmlns:p14="http://schemas.microsoft.com/office/powerpoint/2010/main" val="1829946916"/>
+      </p:ext>
+    </p:extLst>
+  </p:cSld>
+  <p:clrMapOvr>
+    <a:masterClrMapping/>
+  </p:clrMapOvr>
+</p:sld>
+</file>
+
+<file path=ppt/slides/slide6.xml><?xml version="1.0" encoding="utf-8"?>
+<p:sld xmlns:a="http://schemas.openxmlformats.org/drawingml/2006/main" xmlns:r="http://schemas.openxmlformats.org/officeDocument/2006/relationships" xmlns:p="http://schemas.openxmlformats.org/presentationml/2006/main">
+  <p:cSld>
+    <p:spTree>
+      <p:nvGrpSpPr>
+        <p:cNvPr id="1" name=""/>
+        <p:cNvGrpSpPr/>
+        <p:nvPr/>
+      </p:nvGrpSpPr>
+      <p:grpSpPr>
+        <a:xfrm>
+          <a:off x="0" y="0"/>
+          <a:ext cx="0" cy="0"/>
+          <a:chOff x="0" y="0"/>
+          <a:chExt cx="0" cy="0"/>
+        </a:xfrm>
+      </p:grpSpPr>
+      <p:sp>
+        <p:nvSpPr>
+          <p:cNvPr id="15" name="円/楕円 14"/>
+          <p:cNvSpPr/>
+          <p:nvPr/>
+        </p:nvSpPr>
+        <p:spPr>
+          <a:xfrm>
+            <a:off x="1384548" y="522504"/>
+            <a:ext cx="6214848" cy="6214848"/>
+          </a:xfrm>
+          <a:prstGeom prst="ellipse">
+            <a:avLst/>
+          </a:prstGeom>
+          <a:solidFill>
+            <a:schemeClr val="bg1"/>
+          </a:solidFill>
+          <a:ln>
+            <a:noFill/>
+          </a:ln>
+        </p:spPr>
+        <p:style>
+          <a:lnRef idx="2">
+            <a:schemeClr val="dk1"/>
+          </a:lnRef>
+          <a:fillRef idx="1">
+            <a:schemeClr val="lt1"/>
+          </a:fillRef>
+          <a:effectRef idx="0">
+            <a:schemeClr val="dk1"/>
+          </a:effectRef>
+          <a:fontRef idx="minor">
+            <a:schemeClr val="dk1"/>
+          </a:fontRef>
+        </p:style>
+        <p:txBody>
+          <a:bodyPr rtlCol="0" anchor="ctr"/>
+          <a:lstStyle/>
+          <a:p>
+            <a:pPr algn="ctr"/>
+            <a:endParaRPr kumimoji="1" lang="ja-JP" altLang="en-US"/>
+          </a:p>
+        </p:txBody>
+      </p:sp>
+      <p:sp>
+        <p:nvSpPr>
           <p:cNvPr id="5" name="円/楕円 4"/>
           <p:cNvSpPr/>
           <p:nvPr/>
@@ -5994,7 +6944,7 @@
         </p:nvSpPr>
         <p:spPr>
           <a:xfrm>
-            <a:off x="3183554" y="5874998"/>
+            <a:off x="3276020" y="5874998"/>
             <a:ext cx="2623384" cy="769441"/>
           </a:xfrm>
           <a:prstGeom prst="rect">
@@ -6010,7 +6960,7 @@
           <a:p>
             <a:pPr algn="ctr"/>
             <a:r>
-              <a:rPr lang="en-US" altLang="ja-JP" sz="4400" dirty="0" smtClean="0">
+              <a:rPr lang="en-US" altLang="ja-JP" sz="4400" smtClean="0">
                 <a:ln w="19050" cmpd="sng">
                   <a:noFill/>
                 </a:ln>
@@ -6453,4 +7403,265 @@
   </a:objectDefaults>
   <a:extraClrSchemeLst/>
 </a:theme>
+</file>
+
+<file path=ppt/theme/theme2.xml><?xml version="1.0" encoding="utf-8"?>
+<a:theme xmlns:a="http://schemas.openxmlformats.org/drawingml/2006/main" name="Office Theme">
+  <a:themeElements>
+    <a:clrScheme name="Office">
+      <a:dk1>
+        <a:sysClr val="windowText" lastClr="000000"/>
+      </a:dk1>
+      <a:lt1>
+        <a:sysClr val="window" lastClr="FFFFFF"/>
+      </a:lt1>
+      <a:dk2>
+        <a:srgbClr val="44546A"/>
+      </a:dk2>
+      <a:lt2>
+        <a:srgbClr val="E7E6E6"/>
+      </a:lt2>
+      <a:accent1>
+        <a:srgbClr val="4472C4"/>
+      </a:accent1>
+      <a:accent2>
+        <a:srgbClr val="ED7D31"/>
+      </a:accent2>
+      <a:accent3>
+        <a:srgbClr val="A5A5A5"/>
+      </a:accent3>
+      <a:accent4>
+        <a:srgbClr val="FFC000"/>
+      </a:accent4>
+      <a:accent5>
+        <a:srgbClr val="5B9BD5"/>
+      </a:accent5>
+      <a:accent6>
+        <a:srgbClr val="70AD47"/>
+      </a:accent6>
+      <a:hlink>
+        <a:srgbClr val="0563C1"/>
+      </a:hlink>
+      <a:folHlink>
+        <a:srgbClr val="954F72"/>
+      </a:folHlink>
+    </a:clrScheme>
+    <a:fontScheme name="Office">
+      <a:majorFont>
+        <a:latin typeface="Yu Gothic Light" panose="020F0302020204030204"/>
+        <a:ea typeface=""/>
+        <a:cs typeface=""/>
+        <a:font script="Jpan" typeface="Yu Gothic Light"/>
+        <a:font script="Hang" typeface="맑은 고딕"/>
+        <a:font script="Hans" typeface="DengXian Light"/>
+        <a:font script="Hant" typeface="新細明體"/>
+        <a:font script="Arab" typeface="Times New Roman"/>
+        <a:font script="Hebr" typeface="Times New Roman"/>
+        <a:font script="Thai" typeface="Angsana New"/>
+        <a:font script="Ethi" typeface="Nyala"/>
+        <a:font script="Beng" typeface="Vrinda"/>
+        <a:font script="Gujr" typeface="Shruti"/>
+        <a:font script="Khmr" typeface="MoolBoran"/>
+        <a:font script="Knda" typeface="Tunga"/>
+        <a:font script="Guru" typeface="Raavi"/>
+        <a:font script="Cans" typeface="Euphemia"/>
+        <a:font script="Cher" typeface="Plantagenet Cherokee"/>
+        <a:font script="Yiii" typeface="Microsoft Yi Baiti"/>
+        <a:font script="Tibt" typeface="Microsoft Himalaya"/>
+        <a:font script="Thaa" typeface="MV Boli"/>
+        <a:font script="Deva" typeface="Mangal"/>
+        <a:font script="Telu" typeface="Gautami"/>
+        <a:font script="Taml" typeface="Latha"/>
+        <a:font script="Syrc" typeface="Estrangelo Edessa"/>
+        <a:font script="Orya" typeface="Kalinga"/>
+        <a:font script="Mlym" typeface="Kartika"/>
+        <a:font script="Laoo" typeface="DokChampa"/>
+        <a:font script="Sinh" typeface="Iskoola Pota"/>
+        <a:font script="Mong" typeface="Mongolian Baiti"/>
+        <a:font script="Viet" typeface="Times New Roman"/>
+        <a:font script="Uigh" typeface="Microsoft Uighur"/>
+        <a:font script="Geor" typeface="Sylfaen"/>
+      </a:majorFont>
+      <a:minorFont>
+        <a:latin typeface="Yu Gothic" panose="020F0502020204030204"/>
+        <a:ea typeface=""/>
+        <a:cs typeface=""/>
+        <a:font script="Jpan" typeface="Yu Gothic"/>
+        <a:font script="Hang" typeface="맑은 고딕"/>
+        <a:font script="Hans" typeface="DengXian"/>
+        <a:font script="Hant" typeface="新細明體"/>
+        <a:font script="Arab" typeface="Arial"/>
+        <a:font script="Hebr" typeface="Arial"/>
+        <a:font script="Thai" typeface="Cordia New"/>
+        <a:font script="Ethi" typeface="Nyala"/>
+        <a:font script="Beng" typeface="Vrinda"/>
+        <a:font script="Gujr" typeface="Shruti"/>
+        <a:font script="Khmr" typeface="DaunPenh"/>
+        <a:font script="Knda" typeface="Tunga"/>
+        <a:font script="Guru" typeface="Raavi"/>
+        <a:font script="Cans" typeface="Euphemia"/>
+        <a:font script="Cher" typeface="Plantagenet Cherokee"/>
+        <a:font script="Yiii" typeface="Microsoft Yi Baiti"/>
+        <a:font script="Tibt" typeface="Microsoft Himalaya"/>
+        <a:font script="Thaa" typeface="MV Boli"/>
+        <a:font script="Deva" typeface="Mangal"/>
+        <a:font script="Telu" typeface="Gautami"/>
+        <a:font script="Taml" typeface="Latha"/>
+        <a:font script="Syrc" typeface="Estrangelo Edessa"/>
+        <a:font script="Orya" typeface="Kalinga"/>
+        <a:font script="Mlym" typeface="Kartika"/>
+        <a:font script="Laoo" typeface="DokChampa"/>
+        <a:font script="Sinh" typeface="Iskoola Pota"/>
+        <a:font script="Mong" typeface="Mongolian Baiti"/>
+        <a:font script="Viet" typeface="Arial"/>
+        <a:font script="Uigh" typeface="Microsoft Uighur"/>
+        <a:font script="Geor" typeface="Sylfaen"/>
+      </a:minorFont>
+    </a:fontScheme>
+    <a:fmtScheme name="Office">
+      <a:fillStyleLst>
+        <a:solidFill>
+          <a:schemeClr val="phClr"/>
+        </a:solidFill>
+        <a:gradFill rotWithShape="1">
+          <a:gsLst>
+            <a:gs pos="0">
+              <a:schemeClr val="phClr">
+                <a:lumMod val="110000"/>
+                <a:satMod val="105000"/>
+                <a:tint val="67000"/>
+              </a:schemeClr>
+            </a:gs>
+            <a:gs pos="50000">
+              <a:schemeClr val="phClr">
+                <a:lumMod val="105000"/>
+                <a:satMod val="103000"/>
+                <a:tint val="73000"/>
+              </a:schemeClr>
+            </a:gs>
+            <a:gs pos="100000">
+              <a:schemeClr val="phClr">
+                <a:lumMod val="105000"/>
+                <a:satMod val="109000"/>
+                <a:tint val="81000"/>
+              </a:schemeClr>
+            </a:gs>
+          </a:gsLst>
+          <a:lin ang="5400000" scaled="0"/>
+        </a:gradFill>
+        <a:gradFill rotWithShape="1">
+          <a:gsLst>
+            <a:gs pos="0">
+              <a:schemeClr val="phClr">
+                <a:satMod val="103000"/>
+                <a:lumMod val="102000"/>
+                <a:tint val="94000"/>
+              </a:schemeClr>
+            </a:gs>
+            <a:gs pos="50000">
+              <a:schemeClr val="phClr">
+                <a:satMod val="110000"/>
+                <a:lumMod val="100000"/>
+                <a:shade val="100000"/>
+              </a:schemeClr>
+            </a:gs>
+            <a:gs pos="100000">
+              <a:schemeClr val="phClr">
+                <a:lumMod val="99000"/>
+                <a:satMod val="120000"/>
+                <a:shade val="78000"/>
+              </a:schemeClr>
+            </a:gs>
+          </a:gsLst>
+          <a:lin ang="5400000" scaled="0"/>
+        </a:gradFill>
+      </a:fillStyleLst>
+      <a:lnStyleLst>
+        <a:ln w="6350" cap="flat" cmpd="sng" algn="ctr">
+          <a:solidFill>
+            <a:schemeClr val="phClr"/>
+          </a:solidFill>
+          <a:prstDash val="solid"/>
+          <a:miter lim="800000"/>
+        </a:ln>
+        <a:ln w="12700" cap="flat" cmpd="sng" algn="ctr">
+          <a:solidFill>
+            <a:schemeClr val="phClr"/>
+          </a:solidFill>
+          <a:prstDash val="solid"/>
+          <a:miter lim="800000"/>
+        </a:ln>
+        <a:ln w="19050" cap="flat" cmpd="sng" algn="ctr">
+          <a:solidFill>
+            <a:schemeClr val="phClr"/>
+          </a:solidFill>
+          <a:prstDash val="solid"/>
+          <a:miter lim="800000"/>
+        </a:ln>
+      </a:lnStyleLst>
+      <a:effectStyleLst>
+        <a:effectStyle>
+          <a:effectLst/>
+        </a:effectStyle>
+        <a:effectStyle>
+          <a:effectLst/>
+        </a:effectStyle>
+        <a:effectStyle>
+          <a:effectLst>
+            <a:outerShdw blurRad="57150" dist="19050" dir="5400000" algn="ctr" rotWithShape="0">
+              <a:srgbClr val="000000">
+                <a:alpha val="63000"/>
+              </a:srgbClr>
+            </a:outerShdw>
+          </a:effectLst>
+        </a:effectStyle>
+      </a:effectStyleLst>
+      <a:bgFillStyleLst>
+        <a:solidFill>
+          <a:schemeClr val="phClr"/>
+        </a:solidFill>
+        <a:solidFill>
+          <a:schemeClr val="phClr">
+            <a:tint val="95000"/>
+            <a:satMod val="170000"/>
+          </a:schemeClr>
+        </a:solidFill>
+        <a:gradFill rotWithShape="1">
+          <a:gsLst>
+            <a:gs pos="0">
+              <a:schemeClr val="phClr">
+                <a:tint val="93000"/>
+                <a:satMod val="150000"/>
+                <a:shade val="98000"/>
+                <a:lumMod val="102000"/>
+              </a:schemeClr>
+            </a:gs>
+            <a:gs pos="50000">
+              <a:schemeClr val="phClr">
+                <a:tint val="98000"/>
+                <a:satMod val="130000"/>
+                <a:shade val="90000"/>
+                <a:lumMod val="103000"/>
+              </a:schemeClr>
+            </a:gs>
+            <a:gs pos="100000">
+              <a:schemeClr val="phClr">
+                <a:shade val="63000"/>
+                <a:satMod val="120000"/>
+              </a:schemeClr>
+            </a:gs>
+          </a:gsLst>
+          <a:lin ang="5400000" scaled="0"/>
+        </a:gradFill>
+      </a:bgFillStyleLst>
+    </a:fmtScheme>
+  </a:themeElements>
+  <a:objectDefaults/>
+  <a:extraClrSchemeLst/>
+  <a:extLst>
+    <a:ext uri="{05A4C25C-085E-4340-85A3-A5531E510DB2}">
+      <thm15:themeFamily xmlns:thm15="http://schemas.microsoft.com/office/thememl/2012/main" name="Office Theme" id="{62F939B6-93AF-4DB8-9C6B-D6C7DFDC589F}" vid="{4A3C46E8-61CC-4603-A589-7422A47A8E4A}"/>
+    </a:ext>
+  </a:extLst>
+</a:theme>
 </file>